--- a/Pwm drawer project.pptx
+++ b/Pwm drawer project.pptx
@@ -216,7 +216,7 @@
           <a:p>
             <a:fld id="{2C24AFB7-D9B6-435A-B2B3-B220857F5A55}" type="datetimeFigureOut">
               <a:rPr lang="en-US" smtClean="0"/>
-              <a:t>12/15/2021</a:t>
+              <a:t>12/16/2021</a:t>
             </a:fld>
             <a:endParaRPr lang="en-US"/>
           </a:p>
@@ -540,7 +540,7 @@
           <a:noFill/>
           <a:extLst>
             <a:ext uri="{909E8E84-426E-40dd-AFC4-6F175D3DCCD1}">
-              <a14:hiddenFill xmlns:a14="http://schemas.microsoft.com/office/drawing/2010/main" xmlns="">
+              <a14:hiddenFill xmlns="" xmlns:a14="http://schemas.microsoft.com/office/drawing/2010/main">
                 <a:solidFill>
                   <a:srgbClr val="FFFFFF"/>
                 </a:solidFill>
@@ -599,7 +599,7 @@
             </a:ln>
             <a:extLst>
               <a:ext uri="{91240B29-F687-4f45-9708-019B960494DF}">
-                <a14:hiddenLine xmlns:a14="http://schemas.microsoft.com/office/drawing/2010/main" xmlns="" w="9525">
+                <a14:hiddenLine xmlns="" xmlns:a14="http://schemas.microsoft.com/office/drawing/2010/main" w="9525">
                   <a:solidFill>
                     <a:srgbClr val="000000"/>
                   </a:solidFill>
@@ -689,7 +689,7 @@
             </a:ln>
             <a:extLst>
               <a:ext uri="{91240B29-F687-4f45-9708-019B960494DF}">
-                <a14:hiddenLine xmlns:a14="http://schemas.microsoft.com/office/drawing/2010/main" xmlns="" w="9525">
+                <a14:hiddenLine xmlns="" xmlns:a14="http://schemas.microsoft.com/office/drawing/2010/main" w="9525">
                   <a:solidFill>
                     <a:srgbClr val="000000"/>
                   </a:solidFill>
@@ -779,7 +779,7 @@
             </a:ln>
             <a:extLst>
               <a:ext uri="{91240B29-F687-4f45-9708-019B960494DF}">
-                <a14:hiddenLine xmlns:a14="http://schemas.microsoft.com/office/drawing/2010/main" xmlns="" w="9525">
+                <a14:hiddenLine xmlns="" xmlns:a14="http://schemas.microsoft.com/office/drawing/2010/main" w="9525">
                   <a:solidFill>
                     <a:srgbClr val="000000"/>
                   </a:solidFill>
@@ -813,7 +813,7 @@
             </a:ln>
             <a:extLst>
               <a:ext uri="{91240B29-F687-4f45-9708-019B960494DF}">
-                <a14:hiddenLine xmlns:a14="http://schemas.microsoft.com/office/drawing/2010/main" xmlns="" w="9525">
+                <a14:hiddenLine xmlns="" xmlns:a14="http://schemas.microsoft.com/office/drawing/2010/main" w="9525">
                   <a:solidFill>
                     <a:srgbClr val="000000"/>
                   </a:solidFill>
@@ -903,7 +903,7 @@
             </a:ln>
             <a:extLst>
               <a:ext uri="{91240B29-F687-4f45-9708-019B960494DF}">
-                <a14:hiddenLine xmlns:a14="http://schemas.microsoft.com/office/drawing/2010/main" xmlns="" w="9525">
+                <a14:hiddenLine xmlns="" xmlns:a14="http://schemas.microsoft.com/office/drawing/2010/main" w="9525">
                   <a:solidFill>
                     <a:srgbClr val="000000"/>
                   </a:solidFill>
@@ -965,7 +965,7 @@
             </a:ln>
             <a:extLst>
               <a:ext uri="{91240B29-F687-4f45-9708-019B960494DF}">
-                <a14:hiddenLine xmlns:a14="http://schemas.microsoft.com/office/drawing/2010/main" xmlns="" w="9525">
+                <a14:hiddenLine xmlns="" xmlns:a14="http://schemas.microsoft.com/office/drawing/2010/main" w="9525">
                   <a:solidFill>
                     <a:srgbClr val="000000"/>
                   </a:solidFill>
@@ -1027,7 +1027,7 @@
             </a:ln>
             <a:extLst>
               <a:ext uri="{91240B29-F687-4f45-9708-019B960494DF}">
-                <a14:hiddenLine xmlns:a14="http://schemas.microsoft.com/office/drawing/2010/main" xmlns="" w="9525">
+                <a14:hiddenLine xmlns="" xmlns:a14="http://schemas.microsoft.com/office/drawing/2010/main" w="9525">
                   <a:solidFill>
                     <a:srgbClr val="000000"/>
                   </a:solidFill>
@@ -1117,7 +1117,7 @@
             </a:ln>
             <a:extLst>
               <a:ext uri="{91240B29-F687-4f45-9708-019B960494DF}">
-                <a14:hiddenLine xmlns:a14="http://schemas.microsoft.com/office/drawing/2010/main" xmlns="" w="9525">
+                <a14:hiddenLine xmlns="" xmlns:a14="http://schemas.microsoft.com/office/drawing/2010/main" w="9525">
                   <a:solidFill>
                     <a:srgbClr val="000000"/>
                   </a:solidFill>
@@ -1179,7 +1179,7 @@
             </a:ln>
             <a:extLst>
               <a:ext uri="{91240B29-F687-4f45-9708-019B960494DF}">
-                <a14:hiddenLine xmlns:a14="http://schemas.microsoft.com/office/drawing/2010/main" xmlns="" w="9525">
+                <a14:hiddenLine xmlns="" xmlns:a14="http://schemas.microsoft.com/office/drawing/2010/main" w="9525">
                   <a:solidFill>
                     <a:srgbClr val="000000"/>
                   </a:solidFill>
@@ -1241,7 +1241,7 @@
             </a:ln>
             <a:extLst>
               <a:ext uri="{91240B29-F687-4f45-9708-019B960494DF}">
-                <a14:hiddenLine xmlns:a14="http://schemas.microsoft.com/office/drawing/2010/main" xmlns="" w="9525">
+                <a14:hiddenLine xmlns="" xmlns:a14="http://schemas.microsoft.com/office/drawing/2010/main" w="9525">
                   <a:solidFill>
                     <a:srgbClr val="000000"/>
                   </a:solidFill>
@@ -1331,7 +1331,7 @@
             </a:ln>
             <a:extLst>
               <a:ext uri="{91240B29-F687-4f45-9708-019B960494DF}">
-                <a14:hiddenLine xmlns:a14="http://schemas.microsoft.com/office/drawing/2010/main" xmlns="" w="9525">
+                <a14:hiddenLine xmlns="" xmlns:a14="http://schemas.microsoft.com/office/drawing/2010/main" w="9525">
                   <a:solidFill>
                     <a:srgbClr val="000000"/>
                   </a:solidFill>
@@ -1421,7 +1421,7 @@
             </a:ln>
             <a:extLst>
               <a:ext uri="{91240B29-F687-4f45-9708-019B960494DF}">
-                <a14:hiddenLine xmlns:a14="http://schemas.microsoft.com/office/drawing/2010/main" xmlns="" w="9525">
+                <a14:hiddenLine xmlns="" xmlns:a14="http://schemas.microsoft.com/office/drawing/2010/main" w="9525">
                   <a:solidFill>
                     <a:srgbClr val="000000"/>
                   </a:solidFill>
@@ -1483,7 +1483,7 @@
             </a:ln>
             <a:extLst>
               <a:ext uri="{91240B29-F687-4f45-9708-019B960494DF}">
-                <a14:hiddenLine xmlns:a14="http://schemas.microsoft.com/office/drawing/2010/main" xmlns="" w="9525">
+                <a14:hiddenLine xmlns="" xmlns:a14="http://schemas.microsoft.com/office/drawing/2010/main" w="9525">
                   <a:solidFill>
                     <a:srgbClr val="000000"/>
                   </a:solidFill>
@@ -1593,7 +1593,7 @@
             </a:ln>
             <a:extLst>
               <a:ext uri="{91240B29-F687-4f45-9708-019B960494DF}">
-                <a14:hiddenLine xmlns:a14="http://schemas.microsoft.com/office/drawing/2010/main" xmlns="" w="9525">
+                <a14:hiddenLine xmlns="" xmlns:a14="http://schemas.microsoft.com/office/drawing/2010/main" w="9525">
                   <a:solidFill>
                     <a:srgbClr val="000000"/>
                   </a:solidFill>
@@ -1655,7 +1655,7 @@
             </a:ln>
             <a:extLst>
               <a:ext uri="{91240B29-F687-4f45-9708-019B960494DF}">
-                <a14:hiddenLine xmlns:a14="http://schemas.microsoft.com/office/drawing/2010/main" xmlns="" w="9525">
+                <a14:hiddenLine xmlns="" xmlns:a14="http://schemas.microsoft.com/office/drawing/2010/main" w="9525">
                   <a:solidFill>
                     <a:srgbClr val="000000"/>
                   </a:solidFill>
@@ -1745,7 +1745,7 @@
             </a:ln>
             <a:extLst>
               <a:ext uri="{91240B29-F687-4f45-9708-019B960494DF}">
-                <a14:hiddenLine xmlns:a14="http://schemas.microsoft.com/office/drawing/2010/main" xmlns="" w="9525">
+                <a14:hiddenLine xmlns="" xmlns:a14="http://schemas.microsoft.com/office/drawing/2010/main" w="9525">
                   <a:solidFill>
                     <a:srgbClr val="000000"/>
                   </a:solidFill>
@@ -1835,7 +1835,7 @@
             </a:ln>
             <a:extLst>
               <a:ext uri="{91240B29-F687-4f45-9708-019B960494DF}">
-                <a14:hiddenLine xmlns:a14="http://schemas.microsoft.com/office/drawing/2010/main" xmlns="" w="9525">
+                <a14:hiddenLine xmlns="" xmlns:a14="http://schemas.microsoft.com/office/drawing/2010/main" w="9525">
                   <a:solidFill>
                     <a:srgbClr val="000000"/>
                   </a:solidFill>
@@ -1897,7 +1897,7 @@
             </a:ln>
             <a:extLst>
               <a:ext uri="{91240B29-F687-4f45-9708-019B960494DF}">
-                <a14:hiddenLine xmlns:a14="http://schemas.microsoft.com/office/drawing/2010/main" xmlns="" w="9525">
+                <a14:hiddenLine xmlns="" xmlns:a14="http://schemas.microsoft.com/office/drawing/2010/main" w="9525">
                   <a:solidFill>
                     <a:srgbClr val="000000"/>
                   </a:solidFill>
@@ -1987,7 +1987,7 @@
             </a:ln>
             <a:extLst>
               <a:ext uri="{91240B29-F687-4f45-9708-019B960494DF}">
-                <a14:hiddenLine xmlns:a14="http://schemas.microsoft.com/office/drawing/2010/main" xmlns="" w="9525">
+                <a14:hiddenLine xmlns="" xmlns:a14="http://schemas.microsoft.com/office/drawing/2010/main" w="9525">
                   <a:solidFill>
                     <a:srgbClr val="000000"/>
                   </a:solidFill>
@@ -2077,7 +2077,7 @@
             </a:ln>
             <a:extLst>
               <a:ext uri="{91240B29-F687-4f45-9708-019B960494DF}">
-                <a14:hiddenLine xmlns:a14="http://schemas.microsoft.com/office/drawing/2010/main" xmlns="" w="9525">
+                <a14:hiddenLine xmlns="" xmlns:a14="http://schemas.microsoft.com/office/drawing/2010/main" w="9525">
                   <a:solidFill>
                     <a:srgbClr val="000000"/>
                   </a:solidFill>
@@ -2133,7 +2133,7 @@
             </a:ln>
             <a:extLst>
               <a:ext uri="{91240B29-F687-4f45-9708-019B960494DF}">
-                <a14:hiddenLine xmlns:a14="http://schemas.microsoft.com/office/drawing/2010/main" xmlns="" w="9525">
+                <a14:hiddenLine xmlns="" xmlns:a14="http://schemas.microsoft.com/office/drawing/2010/main" w="9525">
                   <a:solidFill>
                     <a:srgbClr val="000000"/>
                   </a:solidFill>
@@ -2223,7 +2223,7 @@
             </a:ln>
             <a:extLst>
               <a:ext uri="{91240B29-F687-4f45-9708-019B960494DF}">
-                <a14:hiddenLine xmlns:a14="http://schemas.microsoft.com/office/drawing/2010/main" xmlns="" w="9525">
+                <a14:hiddenLine xmlns="" xmlns:a14="http://schemas.microsoft.com/office/drawing/2010/main" w="9525">
                   <a:solidFill>
                     <a:srgbClr val="000000"/>
                   </a:solidFill>
@@ -2279,7 +2279,7 @@
             </a:ln>
             <a:extLst>
               <a:ext uri="{91240B29-F687-4f45-9708-019B960494DF}">
-                <a14:hiddenLine xmlns:a14="http://schemas.microsoft.com/office/drawing/2010/main" xmlns="" w="9525">
+                <a14:hiddenLine xmlns="" xmlns:a14="http://schemas.microsoft.com/office/drawing/2010/main" w="9525">
                   <a:solidFill>
                     <a:srgbClr val="000000"/>
                   </a:solidFill>
@@ -2369,7 +2369,7 @@
             </a:ln>
             <a:extLst>
               <a:ext uri="{91240B29-F687-4f45-9708-019B960494DF}">
-                <a14:hiddenLine xmlns:a14="http://schemas.microsoft.com/office/drawing/2010/main" xmlns="" w="9525">
+                <a14:hiddenLine xmlns="" xmlns:a14="http://schemas.microsoft.com/office/drawing/2010/main" w="9525">
                   <a:solidFill>
                     <a:srgbClr val="000000"/>
                   </a:solidFill>
@@ -2437,7 +2437,7 @@
             </a:ln>
             <a:extLst>
               <a:ext uri="{91240B29-F687-4f45-9708-019B960494DF}">
-                <a14:hiddenLine xmlns:a14="http://schemas.microsoft.com/office/drawing/2010/main" xmlns="" w="9525">
+                <a14:hiddenLine xmlns="" xmlns:a14="http://schemas.microsoft.com/office/drawing/2010/main" w="9525">
                   <a:solidFill>
                     <a:srgbClr val="000000"/>
                   </a:solidFill>
@@ -2527,7 +2527,7 @@
             </a:ln>
             <a:extLst>
               <a:ext uri="{91240B29-F687-4f45-9708-019B960494DF}">
-                <a14:hiddenLine xmlns:a14="http://schemas.microsoft.com/office/drawing/2010/main" xmlns="" w="9525">
+                <a14:hiddenLine xmlns="" xmlns:a14="http://schemas.microsoft.com/office/drawing/2010/main" w="9525">
                   <a:solidFill>
                     <a:srgbClr val="000000"/>
                   </a:solidFill>
@@ -2595,7 +2595,7 @@
             </a:ln>
             <a:extLst>
               <a:ext uri="{91240B29-F687-4f45-9708-019B960494DF}">
-                <a14:hiddenLine xmlns:a14="http://schemas.microsoft.com/office/drawing/2010/main" xmlns="" w="9525">
+                <a14:hiddenLine xmlns="" xmlns:a14="http://schemas.microsoft.com/office/drawing/2010/main" w="9525">
                   <a:solidFill>
                     <a:srgbClr val="000000"/>
                   </a:solidFill>
@@ -2685,7 +2685,7 @@
             </a:ln>
             <a:extLst>
               <a:ext uri="{91240B29-F687-4f45-9708-019B960494DF}">
-                <a14:hiddenLine xmlns:a14="http://schemas.microsoft.com/office/drawing/2010/main" xmlns="" w="9525">
+                <a14:hiddenLine xmlns="" xmlns:a14="http://schemas.microsoft.com/office/drawing/2010/main" w="9525">
                   <a:solidFill>
                     <a:srgbClr val="000000"/>
                   </a:solidFill>
@@ -2719,7 +2719,7 @@
             </a:ln>
             <a:extLst>
               <a:ext uri="{91240B29-F687-4f45-9708-019B960494DF}">
-                <a14:hiddenLine xmlns:a14="http://schemas.microsoft.com/office/drawing/2010/main" xmlns="" w="9525">
+                <a14:hiddenLine xmlns="" xmlns:a14="http://schemas.microsoft.com/office/drawing/2010/main" w="9525">
                   <a:solidFill>
                     <a:srgbClr val="000000"/>
                   </a:solidFill>
@@ -2809,7 +2809,7 @@
             </a:ln>
             <a:extLst>
               <a:ext uri="{91240B29-F687-4f45-9708-019B960494DF}">
-                <a14:hiddenLine xmlns:a14="http://schemas.microsoft.com/office/drawing/2010/main" xmlns="" w="9525">
+                <a14:hiddenLine xmlns="" xmlns:a14="http://schemas.microsoft.com/office/drawing/2010/main" w="9525">
                   <a:solidFill>
                     <a:srgbClr val="000000"/>
                   </a:solidFill>
@@ -2871,7 +2871,7 @@
             </a:ln>
             <a:extLst>
               <a:ext uri="{91240B29-F687-4f45-9708-019B960494DF}">
-                <a14:hiddenLine xmlns:a14="http://schemas.microsoft.com/office/drawing/2010/main" xmlns="" w="9525">
+                <a14:hiddenLine xmlns="" xmlns:a14="http://schemas.microsoft.com/office/drawing/2010/main" w="9525">
                   <a:solidFill>
                     <a:srgbClr val="000000"/>
                   </a:solidFill>
@@ -2933,7 +2933,7 @@
             </a:ln>
             <a:extLst>
               <a:ext uri="{91240B29-F687-4f45-9708-019B960494DF}">
-                <a14:hiddenLine xmlns:a14="http://schemas.microsoft.com/office/drawing/2010/main" xmlns="" w="9525">
+                <a14:hiddenLine xmlns="" xmlns:a14="http://schemas.microsoft.com/office/drawing/2010/main" w="9525">
                   <a:solidFill>
                     <a:srgbClr val="000000"/>
                   </a:solidFill>
@@ -3023,7 +3023,7 @@
             </a:ln>
             <a:extLst>
               <a:ext uri="{91240B29-F687-4f45-9708-019B960494DF}">
-                <a14:hiddenLine xmlns:a14="http://schemas.microsoft.com/office/drawing/2010/main" xmlns="" w="9525">
+                <a14:hiddenLine xmlns="" xmlns:a14="http://schemas.microsoft.com/office/drawing/2010/main" w="9525">
                   <a:solidFill>
                     <a:srgbClr val="000000"/>
                   </a:solidFill>
@@ -3091,7 +3091,7 @@
             </a:ln>
             <a:extLst>
               <a:ext uri="{91240B29-F687-4f45-9708-019B960494DF}">
-                <a14:hiddenLine xmlns:a14="http://schemas.microsoft.com/office/drawing/2010/main" xmlns="" w="9525">
+                <a14:hiddenLine xmlns="" xmlns:a14="http://schemas.microsoft.com/office/drawing/2010/main" w="9525">
                   <a:solidFill>
                     <a:srgbClr val="000000"/>
                   </a:solidFill>
@@ -3153,7 +3153,7 @@
             </a:ln>
             <a:extLst>
               <a:ext uri="{91240B29-F687-4f45-9708-019B960494DF}">
-                <a14:hiddenLine xmlns:a14="http://schemas.microsoft.com/office/drawing/2010/main" xmlns="" w="9525">
+                <a14:hiddenLine xmlns="" xmlns:a14="http://schemas.microsoft.com/office/drawing/2010/main" w="9525">
                   <a:solidFill>
                     <a:srgbClr val="000000"/>
                   </a:solidFill>
@@ -3243,7 +3243,7 @@
             </a:ln>
             <a:extLst>
               <a:ext uri="{91240B29-F687-4f45-9708-019B960494DF}">
-                <a14:hiddenLine xmlns:a14="http://schemas.microsoft.com/office/drawing/2010/main" xmlns="" w="9525">
+                <a14:hiddenLine xmlns="" xmlns:a14="http://schemas.microsoft.com/office/drawing/2010/main" w="9525">
                   <a:solidFill>
                     <a:srgbClr val="000000"/>
                   </a:solidFill>
@@ -3305,7 +3305,7 @@
             </a:ln>
             <a:extLst>
               <a:ext uri="{91240B29-F687-4f45-9708-019B960494DF}">
-                <a14:hiddenLine xmlns:a14="http://schemas.microsoft.com/office/drawing/2010/main" xmlns="" w="9525">
+                <a14:hiddenLine xmlns="" xmlns:a14="http://schemas.microsoft.com/office/drawing/2010/main" w="9525">
                   <a:solidFill>
                     <a:srgbClr val="000000"/>
                   </a:solidFill>
@@ -3395,7 +3395,7 @@
             </a:ln>
             <a:extLst>
               <a:ext uri="{91240B29-F687-4f45-9708-019B960494DF}">
-                <a14:hiddenLine xmlns:a14="http://schemas.microsoft.com/office/drawing/2010/main" xmlns="" w="9525">
+                <a14:hiddenLine xmlns="" xmlns:a14="http://schemas.microsoft.com/office/drawing/2010/main" w="9525">
                   <a:solidFill>
                     <a:srgbClr val="000000"/>
                   </a:solidFill>
@@ -3457,7 +3457,7 @@
             </a:ln>
             <a:extLst>
               <a:ext uri="{91240B29-F687-4f45-9708-019B960494DF}">
-                <a14:hiddenLine xmlns:a14="http://schemas.microsoft.com/office/drawing/2010/main" xmlns="" w="9525">
+                <a14:hiddenLine xmlns="" xmlns:a14="http://schemas.microsoft.com/office/drawing/2010/main" w="9525">
                   <a:solidFill>
                     <a:srgbClr val="000000"/>
                   </a:solidFill>
@@ -3547,7 +3547,7 @@
             </a:ln>
             <a:extLst>
               <a:ext uri="{91240B29-F687-4f45-9708-019B960494DF}">
-                <a14:hiddenLine xmlns:a14="http://schemas.microsoft.com/office/drawing/2010/main" xmlns="" w="9525">
+                <a14:hiddenLine xmlns="" xmlns:a14="http://schemas.microsoft.com/office/drawing/2010/main" w="9525">
                   <a:solidFill>
                     <a:srgbClr val="000000"/>
                   </a:solidFill>
@@ -3581,7 +3581,7 @@
             </a:ln>
             <a:extLst>
               <a:ext uri="{91240B29-F687-4f45-9708-019B960494DF}">
-                <a14:hiddenLine xmlns:a14="http://schemas.microsoft.com/office/drawing/2010/main" xmlns="" w="9525">
+                <a14:hiddenLine xmlns="" xmlns:a14="http://schemas.microsoft.com/office/drawing/2010/main" w="9525">
                   <a:solidFill>
                     <a:srgbClr val="000000"/>
                   </a:solidFill>
@@ -3646,7 +3646,7 @@
             </a:ln>
             <a:extLst>
               <a:ext uri="{91240B29-F687-4f45-9708-019B960494DF}">
-                <a14:hiddenLine xmlns:a14="http://schemas.microsoft.com/office/drawing/2010/main" xmlns="" w="9525">
+                <a14:hiddenLine xmlns="" xmlns:a14="http://schemas.microsoft.com/office/drawing/2010/main" w="9525">
                   <a:solidFill>
                     <a:srgbClr val="000000"/>
                   </a:solidFill>
@@ -3736,7 +3736,7 @@
             </a:ln>
             <a:extLst>
               <a:ext uri="{91240B29-F687-4f45-9708-019B960494DF}">
-                <a14:hiddenLine xmlns:a14="http://schemas.microsoft.com/office/drawing/2010/main" xmlns="" w="9525">
+                <a14:hiddenLine xmlns="" xmlns:a14="http://schemas.microsoft.com/office/drawing/2010/main" w="9525">
                   <a:solidFill>
                     <a:srgbClr val="000000"/>
                   </a:solidFill>
@@ -3798,7 +3798,7 @@
             </a:ln>
             <a:extLst>
               <a:ext uri="{91240B29-F687-4f45-9708-019B960494DF}">
-                <a14:hiddenLine xmlns:a14="http://schemas.microsoft.com/office/drawing/2010/main" xmlns="" w="9525">
+                <a14:hiddenLine xmlns="" xmlns:a14="http://schemas.microsoft.com/office/drawing/2010/main" w="9525">
                   <a:solidFill>
                     <a:srgbClr val="000000"/>
                   </a:solidFill>
@@ -3888,7 +3888,7 @@
             </a:ln>
             <a:extLst>
               <a:ext uri="{91240B29-F687-4f45-9708-019B960494DF}">
-                <a14:hiddenLine xmlns:a14="http://schemas.microsoft.com/office/drawing/2010/main" xmlns="" w="9525">
+                <a14:hiddenLine xmlns="" xmlns:a14="http://schemas.microsoft.com/office/drawing/2010/main" w="9525">
                   <a:solidFill>
                     <a:srgbClr val="000000"/>
                   </a:solidFill>
@@ -3978,7 +3978,7 @@
             </a:ln>
             <a:extLst>
               <a:ext uri="{91240B29-F687-4f45-9708-019B960494DF}">
-                <a14:hiddenLine xmlns:a14="http://schemas.microsoft.com/office/drawing/2010/main" xmlns="" w="9525">
+                <a14:hiddenLine xmlns="" xmlns:a14="http://schemas.microsoft.com/office/drawing/2010/main" w="9525">
                   <a:solidFill>
                     <a:srgbClr val="000000"/>
                   </a:solidFill>
@@ -4043,7 +4043,7 @@
             </a:ln>
             <a:extLst>
               <a:ext uri="{91240B29-F687-4f45-9708-019B960494DF}">
-                <a14:hiddenLine xmlns:a14="http://schemas.microsoft.com/office/drawing/2010/main" xmlns="" w="9525">
+                <a14:hiddenLine xmlns="" xmlns:a14="http://schemas.microsoft.com/office/drawing/2010/main" w="9525">
                   <a:solidFill>
                     <a:srgbClr val="000000"/>
                   </a:solidFill>
@@ -4105,7 +4105,7 @@
             </a:ln>
             <a:extLst>
               <a:ext uri="{91240B29-F687-4f45-9708-019B960494DF}">
-                <a14:hiddenLine xmlns:a14="http://schemas.microsoft.com/office/drawing/2010/main" xmlns="" w="9525">
+                <a14:hiddenLine xmlns="" xmlns:a14="http://schemas.microsoft.com/office/drawing/2010/main" w="9525">
                   <a:solidFill>
                     <a:srgbClr val="000000"/>
                   </a:solidFill>
@@ -4195,7 +4195,7 @@
             </a:ln>
             <a:extLst>
               <a:ext uri="{91240B29-F687-4f45-9708-019B960494DF}">
-                <a14:hiddenLine xmlns:a14="http://schemas.microsoft.com/office/drawing/2010/main" xmlns="" w="9525">
+                <a14:hiddenLine xmlns="" xmlns:a14="http://schemas.microsoft.com/office/drawing/2010/main" w="9525">
                   <a:solidFill>
                     <a:srgbClr val="000000"/>
                   </a:solidFill>
@@ -4285,7 +4285,7 @@
             </a:ln>
             <a:extLst>
               <a:ext uri="{91240B29-F687-4f45-9708-019B960494DF}">
-                <a14:hiddenLine xmlns:a14="http://schemas.microsoft.com/office/drawing/2010/main" xmlns="" w="9525">
+                <a14:hiddenLine xmlns="" xmlns:a14="http://schemas.microsoft.com/office/drawing/2010/main" w="9525">
                   <a:solidFill>
                     <a:srgbClr val="000000"/>
                   </a:solidFill>
@@ -4347,7 +4347,7 @@
             </a:ln>
             <a:extLst>
               <a:ext uri="{91240B29-F687-4f45-9708-019B960494DF}">
-                <a14:hiddenLine xmlns:a14="http://schemas.microsoft.com/office/drawing/2010/main" xmlns="" w="9525">
+                <a14:hiddenLine xmlns="" xmlns:a14="http://schemas.microsoft.com/office/drawing/2010/main" w="9525">
                   <a:solidFill>
                     <a:srgbClr val="000000"/>
                   </a:solidFill>
@@ -4467,7 +4467,7 @@
             </a:ln>
             <a:extLst>
               <a:ext uri="{91240B29-F687-4f45-9708-019B960494DF}">
-                <a14:hiddenLine xmlns:a14="http://schemas.microsoft.com/office/drawing/2010/main" xmlns="" w="9525">
+                <a14:hiddenLine xmlns="" xmlns:a14="http://schemas.microsoft.com/office/drawing/2010/main" w="9525">
                   <a:solidFill>
                     <a:srgbClr val="000000"/>
                   </a:solidFill>
@@ -4535,7 +4535,7 @@
             </a:ln>
             <a:extLst>
               <a:ext uri="{91240B29-F687-4f45-9708-019B960494DF}">
-                <a14:hiddenLine xmlns:a14="http://schemas.microsoft.com/office/drawing/2010/main" xmlns="" w="9525">
+                <a14:hiddenLine xmlns="" xmlns:a14="http://schemas.microsoft.com/office/drawing/2010/main" w="9525">
                   <a:solidFill>
                     <a:srgbClr val="000000"/>
                   </a:solidFill>
@@ -4625,7 +4625,7 @@
             </a:ln>
             <a:extLst>
               <a:ext uri="{91240B29-F687-4f45-9708-019B960494DF}">
-                <a14:hiddenLine xmlns:a14="http://schemas.microsoft.com/office/drawing/2010/main" xmlns="" w="9525">
+                <a14:hiddenLine xmlns="" xmlns:a14="http://schemas.microsoft.com/office/drawing/2010/main" w="9525">
                   <a:solidFill>
                     <a:srgbClr val="000000"/>
                   </a:solidFill>
@@ -4765,7 +4765,7 @@
           <a:p>
             <a:fld id="{5EF4D76E-B32C-45C6-BD3F-A01EED6F8580}" type="datetime1">
               <a:rPr lang="en-US" smtClean="0"/>
-              <a:t>12/15/2021</a:t>
+              <a:t>12/16/2021</a:t>
             </a:fld>
             <a:endParaRPr lang="en-US" dirty="0"/>
           </a:p>
@@ -5043,7 +5043,7 @@
           <a:p>
             <a:fld id="{D0EBF8EF-C488-4DB3-9BA7-EC6F26DDC0B8}" type="datetime1">
               <a:rPr lang="en-US" smtClean="0"/>
-              <a:t>12/15/2021</a:t>
+              <a:t>12/16/2021</a:t>
             </a:fld>
             <a:endParaRPr lang="en-US" dirty="0"/>
           </a:p>
@@ -5250,7 +5250,7 @@
           <a:p>
             <a:fld id="{63ECED10-99FF-45C8-9FAC-B55FCBCD8F75}" type="datetime1">
               <a:rPr lang="en-US" smtClean="0"/>
-              <a:t>12/15/2021</a:t>
+              <a:t>12/16/2021</a:t>
             </a:fld>
             <a:endParaRPr lang="en-US" dirty="0"/>
           </a:p>
@@ -5524,7 +5524,7 @@
           <a:p>
             <a:fld id="{A9076CF0-B8F2-4A98-BC09-47B753C11F81}" type="datetime1">
               <a:rPr lang="en-US" smtClean="0"/>
-              <a:t>12/15/2021</a:t>
+              <a:t>12/16/2021</a:t>
             </a:fld>
             <a:endParaRPr lang="en-US" dirty="0"/>
           </a:p>
@@ -5969,7 +5969,7 @@
           <a:p>
             <a:fld id="{85C9EF7A-AECB-4131-B762-B611BF4AE3E3}" type="datetime1">
               <a:rPr lang="en-US" smtClean="0"/>
-              <a:t>12/15/2021</a:t>
+              <a:t>12/16/2021</a:t>
             </a:fld>
             <a:endParaRPr lang="en-US" dirty="0"/>
           </a:p>
@@ -6526,7 +6526,7 @@
           <a:p>
             <a:fld id="{282C0075-258F-4F15-8034-B3926D9B9771}" type="datetime1">
               <a:rPr lang="en-US" smtClean="0"/>
-              <a:t>12/15/2021</a:t>
+              <a:t>12/16/2021</a:t>
             </a:fld>
             <a:endParaRPr lang="en-US" dirty="0"/>
           </a:p>
@@ -7257,7 +7257,7 @@
           <a:p>
             <a:fld id="{8B692CF1-BF4A-4460-A446-66E7C64ADBFE}" type="datetime1">
               <a:rPr lang="en-US" smtClean="0"/>
-              <a:t>12/15/2021</a:t>
+              <a:t>12/16/2021</a:t>
             </a:fld>
             <a:endParaRPr lang="en-US" dirty="0"/>
           </a:p>
@@ -7438,7 +7438,7 @@
           <a:p>
             <a:fld id="{141E81C9-AB7C-4176-8F3F-2CC3EEF63D06}" type="datetime1">
               <a:rPr lang="en-US" smtClean="0"/>
-              <a:t>12/15/2021</a:t>
+              <a:t>12/16/2021</a:t>
             </a:fld>
             <a:endParaRPr lang="en-US" dirty="0"/>
           </a:p>
@@ -7629,7 +7629,7 @@
           <a:p>
             <a:fld id="{2354FEB2-E03E-488B-A94A-80BC34D78983}" type="datetime1">
               <a:rPr lang="en-US" smtClean="0"/>
-              <a:t>12/15/2021</a:t>
+              <a:t>12/16/2021</a:t>
             </a:fld>
             <a:endParaRPr lang="en-US" dirty="0"/>
           </a:p>
@@ -7810,7 +7810,7 @@
           <a:p>
             <a:fld id="{19D3E3F3-C462-4217-8838-9CC14D97646C}" type="datetime1">
               <a:rPr lang="en-US" smtClean="0"/>
-              <a:t>12/15/2021</a:t>
+              <a:t>12/16/2021</a:t>
             </a:fld>
             <a:endParaRPr lang="en-US" dirty="0"/>
           </a:p>
@@ -8071,7 +8071,7 @@
           <a:p>
             <a:fld id="{CF21562E-D088-4F4B-904A-096D061C6818}" type="datetime1">
               <a:rPr lang="en-US" smtClean="0"/>
-              <a:t>12/15/2021</a:t>
+              <a:t>12/16/2021</a:t>
             </a:fld>
             <a:endParaRPr lang="en-US" dirty="0"/>
           </a:p>
@@ -8314,7 +8314,7 @@
           <a:p>
             <a:fld id="{99F0BFA0-F998-40DD-9930-820CA31798DD}" type="datetime1">
               <a:rPr lang="en-US" smtClean="0"/>
-              <a:t>12/15/2021</a:t>
+              <a:t>12/16/2021</a:t>
             </a:fld>
             <a:endParaRPr lang="en-US" dirty="0"/>
           </a:p>
@@ -8706,7 +8706,7 @@
           <a:p>
             <a:fld id="{AD77898B-F3E5-44E3-B129-7A98751202C6}" type="datetime1">
               <a:rPr lang="en-US" smtClean="0"/>
-              <a:t>12/15/2021</a:t>
+              <a:t>12/16/2021</a:t>
             </a:fld>
             <a:endParaRPr lang="en-US" dirty="0"/>
           </a:p>
@@ -8835,7 +8835,7 @@
           <a:p>
             <a:fld id="{68180D58-27EC-41DE-BFB0-876559F08E91}" type="datetime1">
               <a:rPr lang="en-US" smtClean="0"/>
-              <a:t>12/15/2021</a:t>
+              <a:t>12/16/2021</a:t>
             </a:fld>
             <a:endParaRPr lang="en-US" dirty="0"/>
           </a:p>
@@ -8941,7 +8941,7 @@
           <a:p>
             <a:fld id="{C7AE4095-C236-443B-B0ED-21009FF50F31}" type="datetime1">
               <a:rPr lang="en-US" smtClean="0"/>
-              <a:t>12/15/2021</a:t>
+              <a:t>12/16/2021</a:t>
             </a:fld>
             <a:endParaRPr lang="en-US" dirty="0"/>
           </a:p>
@@ -9201,7 +9201,7 @@
           <a:p>
             <a:fld id="{DDB9DF88-9ED7-4AB8-87F4-0C039F8A7A0B}" type="datetime1">
               <a:rPr lang="en-US" smtClean="0"/>
-              <a:t>12/15/2021</a:t>
+              <a:t>12/16/2021</a:t>
             </a:fld>
             <a:endParaRPr lang="en-US" dirty="0"/>
           </a:p>
@@ -9492,7 +9492,7 @@
           <a:p>
             <a:fld id="{FC48DE5D-AA2E-4BA6-A22C-3BD78F0DAB7D}" type="datetime1">
               <a:rPr lang="en-US" smtClean="0"/>
-              <a:t>12/15/2021</a:t>
+              <a:t>12/16/2021</a:t>
             </a:fld>
             <a:endParaRPr lang="en-US" dirty="0"/>
           </a:p>
@@ -9626,7 +9626,7 @@
           <a:noFill/>
           <a:extLst>
             <a:ext uri="{909E8E84-426E-40dd-AFC4-6F175D3DCCD1}">
-              <a14:hiddenFill xmlns:a14="http://schemas.microsoft.com/office/drawing/2010/main" xmlns="">
+              <a14:hiddenFill xmlns="" xmlns:a14="http://schemas.microsoft.com/office/drawing/2010/main">
                 <a:solidFill>
                   <a:srgbClr val="FFFFFF"/>
                 </a:solidFill>
@@ -9700,7 +9700,7 @@
               </a:ln>
               <a:extLst>
                 <a:ext uri="{91240B29-F687-4f45-9708-019B960494DF}">
-                  <a14:hiddenLine xmlns:a14="http://schemas.microsoft.com/office/drawing/2010/main" xmlns="" w="9525">
+                  <a14:hiddenLine xmlns="" xmlns:a14="http://schemas.microsoft.com/office/drawing/2010/main" w="9525">
                     <a:solidFill>
                       <a:srgbClr val="000000"/>
                     </a:solidFill>
@@ -9790,7 +9790,7 @@
               </a:ln>
               <a:extLst>
                 <a:ext uri="{91240B29-F687-4f45-9708-019B960494DF}">
-                  <a14:hiddenLine xmlns:a14="http://schemas.microsoft.com/office/drawing/2010/main" xmlns="" w="9525">
+                  <a14:hiddenLine xmlns="" xmlns:a14="http://schemas.microsoft.com/office/drawing/2010/main" w="9525">
                     <a:solidFill>
                       <a:srgbClr val="000000"/>
                     </a:solidFill>
@@ -9880,7 +9880,7 @@
               </a:ln>
               <a:extLst>
                 <a:ext uri="{91240B29-F687-4f45-9708-019B960494DF}">
-                  <a14:hiddenLine xmlns:a14="http://schemas.microsoft.com/office/drawing/2010/main" xmlns="" w="9525">
+                  <a14:hiddenLine xmlns="" xmlns:a14="http://schemas.microsoft.com/office/drawing/2010/main" w="9525">
                     <a:solidFill>
                       <a:srgbClr val="000000"/>
                     </a:solidFill>
@@ -9942,7 +9942,7 @@
               </a:ln>
               <a:extLst>
                 <a:ext uri="{91240B29-F687-4f45-9708-019B960494DF}">
-                  <a14:hiddenLine xmlns:a14="http://schemas.microsoft.com/office/drawing/2010/main" xmlns="" w="9525">
+                  <a14:hiddenLine xmlns="" xmlns:a14="http://schemas.microsoft.com/office/drawing/2010/main" w="9525">
                     <a:solidFill>
                       <a:srgbClr val="000000"/>
                     </a:solidFill>
@@ -10032,7 +10032,7 @@
               </a:ln>
               <a:extLst>
                 <a:ext uri="{91240B29-F687-4f45-9708-019B960494DF}">
-                  <a14:hiddenLine xmlns:a14="http://schemas.microsoft.com/office/drawing/2010/main" xmlns="" w="9525">
+                  <a14:hiddenLine xmlns="" xmlns:a14="http://schemas.microsoft.com/office/drawing/2010/main" w="9525">
                     <a:solidFill>
                       <a:srgbClr val="000000"/>
                     </a:solidFill>
@@ -10094,7 +10094,7 @@
               </a:ln>
               <a:extLst>
                 <a:ext uri="{91240B29-F687-4f45-9708-019B960494DF}">
-                  <a14:hiddenLine xmlns:a14="http://schemas.microsoft.com/office/drawing/2010/main" xmlns="" w="9525">
+                  <a14:hiddenLine xmlns="" xmlns:a14="http://schemas.microsoft.com/office/drawing/2010/main" w="9525">
                     <a:solidFill>
                       <a:srgbClr val="000000"/>
                     </a:solidFill>
@@ -10156,7 +10156,7 @@
               </a:ln>
               <a:extLst>
                 <a:ext uri="{91240B29-F687-4f45-9708-019B960494DF}">
-                  <a14:hiddenLine xmlns:a14="http://schemas.microsoft.com/office/drawing/2010/main" xmlns="" w="9525">
+                  <a14:hiddenLine xmlns="" xmlns:a14="http://schemas.microsoft.com/office/drawing/2010/main" w="9525">
                     <a:solidFill>
                       <a:srgbClr val="000000"/>
                     </a:solidFill>
@@ -10246,7 +10246,7 @@
               </a:ln>
               <a:extLst>
                 <a:ext uri="{91240B29-F687-4f45-9708-019B960494DF}">
-                  <a14:hiddenLine xmlns:a14="http://schemas.microsoft.com/office/drawing/2010/main" xmlns="" w="9525">
+                  <a14:hiddenLine xmlns="" xmlns:a14="http://schemas.microsoft.com/office/drawing/2010/main" w="9525">
                     <a:solidFill>
                       <a:srgbClr val="000000"/>
                     </a:solidFill>
@@ -10336,7 +10336,7 @@
               </a:ln>
               <a:extLst>
                 <a:ext uri="{91240B29-F687-4f45-9708-019B960494DF}">
-                  <a14:hiddenLine xmlns:a14="http://schemas.microsoft.com/office/drawing/2010/main" xmlns="" w="9525">
+                  <a14:hiddenLine xmlns="" xmlns:a14="http://schemas.microsoft.com/office/drawing/2010/main" w="9525">
                     <a:solidFill>
                       <a:srgbClr val="000000"/>
                     </a:solidFill>
@@ -10398,7 +10398,7 @@
               </a:ln>
               <a:extLst>
                 <a:ext uri="{91240B29-F687-4f45-9708-019B960494DF}">
-                  <a14:hiddenLine xmlns:a14="http://schemas.microsoft.com/office/drawing/2010/main" xmlns="" w="9525">
+                  <a14:hiddenLine xmlns="" xmlns:a14="http://schemas.microsoft.com/office/drawing/2010/main" w="9525">
                     <a:solidFill>
                       <a:srgbClr val="000000"/>
                     </a:solidFill>
@@ -10508,7 +10508,7 @@
               </a:ln>
               <a:extLst>
                 <a:ext uri="{91240B29-F687-4f45-9708-019B960494DF}">
-                  <a14:hiddenLine xmlns:a14="http://schemas.microsoft.com/office/drawing/2010/main" xmlns="" w="9525">
+                  <a14:hiddenLine xmlns="" xmlns:a14="http://schemas.microsoft.com/office/drawing/2010/main" w="9525">
                     <a:solidFill>
                       <a:srgbClr val="000000"/>
                     </a:solidFill>
@@ -10592,7 +10592,7 @@
               </a:ln>
               <a:extLst>
                 <a:ext uri="{91240B29-F687-4f45-9708-019B960494DF}">
-                  <a14:hiddenLine xmlns:a14="http://schemas.microsoft.com/office/drawing/2010/main" xmlns="" w="9525">
+                  <a14:hiddenLine xmlns="" xmlns:a14="http://schemas.microsoft.com/office/drawing/2010/main" w="9525">
                     <a:solidFill>
                       <a:srgbClr val="000000"/>
                     </a:solidFill>
@@ -10654,7 +10654,7 @@
               </a:ln>
               <a:extLst>
                 <a:ext uri="{91240B29-F687-4f45-9708-019B960494DF}">
-                  <a14:hiddenLine xmlns:a14="http://schemas.microsoft.com/office/drawing/2010/main" xmlns="" w="9525">
+                  <a14:hiddenLine xmlns="" xmlns:a14="http://schemas.microsoft.com/office/drawing/2010/main" w="9525">
                     <a:solidFill>
                       <a:srgbClr val="000000"/>
                     </a:solidFill>
@@ -10716,7 +10716,7 @@
               </a:ln>
               <a:extLst>
                 <a:ext uri="{91240B29-F687-4f45-9708-019B960494DF}">
-                  <a14:hiddenLine xmlns:a14="http://schemas.microsoft.com/office/drawing/2010/main" xmlns="" w="9525">
+                  <a14:hiddenLine xmlns="" xmlns:a14="http://schemas.microsoft.com/office/drawing/2010/main" w="9525">
                     <a:solidFill>
                       <a:srgbClr val="000000"/>
                     </a:solidFill>
@@ -10806,7 +10806,7 @@
               </a:ln>
               <a:extLst>
                 <a:ext uri="{91240B29-F687-4f45-9708-019B960494DF}">
-                  <a14:hiddenLine xmlns:a14="http://schemas.microsoft.com/office/drawing/2010/main" xmlns="" w="9525">
+                  <a14:hiddenLine xmlns="" xmlns:a14="http://schemas.microsoft.com/office/drawing/2010/main" w="9525">
                     <a:solidFill>
                       <a:srgbClr val="000000"/>
                     </a:solidFill>
@@ -10840,7 +10840,7 @@
               </a:ln>
               <a:extLst>
                 <a:ext uri="{91240B29-F687-4f45-9708-019B960494DF}">
-                  <a14:hiddenLine xmlns:a14="http://schemas.microsoft.com/office/drawing/2010/main" xmlns="" w="9525">
+                  <a14:hiddenLine xmlns="" xmlns:a14="http://schemas.microsoft.com/office/drawing/2010/main" w="9525">
                     <a:solidFill>
                       <a:srgbClr val="000000"/>
                     </a:solidFill>
@@ -10905,7 +10905,7 @@
               </a:ln>
               <a:extLst>
                 <a:ext uri="{91240B29-F687-4f45-9708-019B960494DF}">
-                  <a14:hiddenLine xmlns:a14="http://schemas.microsoft.com/office/drawing/2010/main" xmlns="" w="9525">
+                  <a14:hiddenLine xmlns="" xmlns:a14="http://schemas.microsoft.com/office/drawing/2010/main" w="9525">
                     <a:solidFill>
                       <a:srgbClr val="000000"/>
                     </a:solidFill>
@@ -10995,7 +10995,7 @@
               </a:ln>
               <a:extLst>
                 <a:ext uri="{91240B29-F687-4f45-9708-019B960494DF}">
-                  <a14:hiddenLine xmlns:a14="http://schemas.microsoft.com/office/drawing/2010/main" xmlns="" w="9525">
+                  <a14:hiddenLine xmlns="" xmlns:a14="http://schemas.microsoft.com/office/drawing/2010/main" w="9525">
                     <a:solidFill>
                       <a:srgbClr val="000000"/>
                     </a:solidFill>
@@ -11057,7 +11057,7 @@
               </a:ln>
               <a:extLst>
                 <a:ext uri="{91240B29-F687-4f45-9708-019B960494DF}">
-                  <a14:hiddenLine xmlns:a14="http://schemas.microsoft.com/office/drawing/2010/main" xmlns="" w="9525">
+                  <a14:hiddenLine xmlns="" xmlns:a14="http://schemas.microsoft.com/office/drawing/2010/main" w="9525">
                     <a:solidFill>
                       <a:srgbClr val="000000"/>
                     </a:solidFill>
@@ -11147,7 +11147,7 @@
               </a:ln>
               <a:extLst>
                 <a:ext uri="{91240B29-F687-4f45-9708-019B960494DF}">
-                  <a14:hiddenLine xmlns:a14="http://schemas.microsoft.com/office/drawing/2010/main" xmlns="" w="9525">
+                  <a14:hiddenLine xmlns="" xmlns:a14="http://schemas.microsoft.com/office/drawing/2010/main" w="9525">
                     <a:solidFill>
                       <a:srgbClr val="000000"/>
                     </a:solidFill>
@@ -11212,7 +11212,7 @@
               </a:ln>
               <a:extLst>
                 <a:ext uri="{91240B29-F687-4f45-9708-019B960494DF}">
-                  <a14:hiddenLine xmlns:a14="http://schemas.microsoft.com/office/drawing/2010/main" xmlns="" w="9525">
+                  <a14:hiddenLine xmlns="" xmlns:a14="http://schemas.microsoft.com/office/drawing/2010/main" w="9525">
                     <a:solidFill>
                       <a:srgbClr val="000000"/>
                     </a:solidFill>
@@ -11274,7 +11274,7 @@
               </a:ln>
               <a:extLst>
                 <a:ext uri="{91240B29-F687-4f45-9708-019B960494DF}">
-                  <a14:hiddenLine xmlns:a14="http://schemas.microsoft.com/office/drawing/2010/main" xmlns="" w="9525">
+                  <a14:hiddenLine xmlns="" xmlns:a14="http://schemas.microsoft.com/office/drawing/2010/main" w="9525">
                     <a:solidFill>
                       <a:srgbClr val="000000"/>
                     </a:solidFill>
@@ -11364,7 +11364,7 @@
               </a:ln>
               <a:extLst>
                 <a:ext uri="{91240B29-F687-4f45-9708-019B960494DF}">
-                  <a14:hiddenLine xmlns:a14="http://schemas.microsoft.com/office/drawing/2010/main" xmlns="" w="9525">
+                  <a14:hiddenLine xmlns="" xmlns:a14="http://schemas.microsoft.com/office/drawing/2010/main" w="9525">
                     <a:solidFill>
                       <a:srgbClr val="000000"/>
                     </a:solidFill>
@@ -11454,7 +11454,7 @@
               </a:ln>
               <a:extLst>
                 <a:ext uri="{91240B29-F687-4f45-9708-019B960494DF}">
-                  <a14:hiddenLine xmlns:a14="http://schemas.microsoft.com/office/drawing/2010/main" xmlns="" w="9525">
+                  <a14:hiddenLine xmlns="" xmlns:a14="http://schemas.microsoft.com/office/drawing/2010/main" w="9525">
                     <a:solidFill>
                       <a:srgbClr val="000000"/>
                     </a:solidFill>
@@ -11519,7 +11519,7 @@
               </a:ln>
               <a:extLst>
                 <a:ext uri="{91240B29-F687-4f45-9708-019B960494DF}">
-                  <a14:hiddenLine xmlns:a14="http://schemas.microsoft.com/office/drawing/2010/main" xmlns="" w="9525">
+                  <a14:hiddenLine xmlns="" xmlns:a14="http://schemas.microsoft.com/office/drawing/2010/main" w="9525">
                     <a:solidFill>
                       <a:srgbClr val="000000"/>
                     </a:solidFill>
@@ -11639,7 +11639,7 @@
               </a:ln>
               <a:extLst>
                 <a:ext uri="{91240B29-F687-4f45-9708-019B960494DF}">
-                  <a14:hiddenLine xmlns:a14="http://schemas.microsoft.com/office/drawing/2010/main" xmlns="" w="9525">
+                  <a14:hiddenLine xmlns="" xmlns:a14="http://schemas.microsoft.com/office/drawing/2010/main" w="9525">
                     <a:solidFill>
                       <a:srgbClr val="000000"/>
                     </a:solidFill>
@@ -11720,7 +11720,7 @@
               </a:ln>
               <a:extLst>
                 <a:ext uri="{91240B29-F687-4f45-9708-019B960494DF}">
-                  <a14:hiddenLine xmlns:a14="http://schemas.microsoft.com/office/drawing/2010/main" xmlns="" w="9525">
+                  <a14:hiddenLine xmlns="" xmlns:a14="http://schemas.microsoft.com/office/drawing/2010/main" w="9525">
                     <a:solidFill>
                       <a:srgbClr val="000000"/>
                     </a:solidFill>
@@ -11835,7 +11835,7 @@
               </a:ln>
               <a:extLst>
                 <a:ext uri="{91240B29-F687-4f45-9708-019B960494DF}">
-                  <a14:hiddenLine xmlns:a14="http://schemas.microsoft.com/office/drawing/2010/main" xmlns="" w="9525">
+                  <a14:hiddenLine xmlns="" xmlns:a14="http://schemas.microsoft.com/office/drawing/2010/main" w="9525">
                     <a:solidFill>
                       <a:srgbClr val="000000"/>
                     </a:solidFill>
@@ -11925,7 +11925,7 @@
               </a:ln>
               <a:extLst>
                 <a:ext uri="{91240B29-F687-4f45-9708-019B960494DF}">
-                  <a14:hiddenLine xmlns:a14="http://schemas.microsoft.com/office/drawing/2010/main" xmlns="" w="9525">
+                  <a14:hiddenLine xmlns="" xmlns:a14="http://schemas.microsoft.com/office/drawing/2010/main" w="9525">
                     <a:solidFill>
                       <a:srgbClr val="000000"/>
                     </a:solidFill>
@@ -11990,7 +11990,7 @@
               </a:ln>
               <a:extLst>
                 <a:ext uri="{91240B29-F687-4f45-9708-019B960494DF}">
-                  <a14:hiddenLine xmlns:a14="http://schemas.microsoft.com/office/drawing/2010/main" xmlns="" w="9525">
+                  <a14:hiddenLine xmlns="" xmlns:a14="http://schemas.microsoft.com/office/drawing/2010/main" w="9525">
                     <a:solidFill>
                       <a:srgbClr val="000000"/>
                     </a:solidFill>
@@ -12080,7 +12080,7 @@
               </a:ln>
               <a:extLst>
                 <a:ext uri="{91240B29-F687-4f45-9708-019B960494DF}">
-                  <a14:hiddenLine xmlns:a14="http://schemas.microsoft.com/office/drawing/2010/main" xmlns="" w="9525">
+                  <a14:hiddenLine xmlns="" xmlns:a14="http://schemas.microsoft.com/office/drawing/2010/main" w="9525">
                     <a:solidFill>
                       <a:srgbClr val="000000"/>
                     </a:solidFill>
@@ -12148,7 +12148,7 @@
               </a:ln>
               <a:extLst>
                 <a:ext uri="{91240B29-F687-4f45-9708-019B960494DF}">
-                  <a14:hiddenLine xmlns:a14="http://schemas.microsoft.com/office/drawing/2010/main" xmlns="" w="9525">
+                  <a14:hiddenLine xmlns="" xmlns:a14="http://schemas.microsoft.com/office/drawing/2010/main" w="9525">
                     <a:solidFill>
                       <a:srgbClr val="000000"/>
                     </a:solidFill>
@@ -12238,7 +12238,7 @@
               </a:ln>
               <a:extLst>
                 <a:ext uri="{91240B29-F687-4f45-9708-019B960494DF}">
-                  <a14:hiddenLine xmlns:a14="http://schemas.microsoft.com/office/drawing/2010/main" xmlns="" w="9525">
+                  <a14:hiddenLine xmlns="" xmlns:a14="http://schemas.microsoft.com/office/drawing/2010/main" w="9525">
                     <a:solidFill>
                       <a:srgbClr val="000000"/>
                     </a:solidFill>
@@ -12306,7 +12306,7 @@
               </a:ln>
               <a:extLst>
                 <a:ext uri="{91240B29-F687-4f45-9708-019B960494DF}">
-                  <a14:hiddenLine xmlns:a14="http://schemas.microsoft.com/office/drawing/2010/main" xmlns="" w="9525">
+                  <a14:hiddenLine xmlns="" xmlns:a14="http://schemas.microsoft.com/office/drawing/2010/main" w="9525">
                     <a:solidFill>
                       <a:srgbClr val="000000"/>
                     </a:solidFill>
@@ -12396,7 +12396,7 @@
               </a:ln>
               <a:extLst>
                 <a:ext uri="{91240B29-F687-4f45-9708-019B960494DF}">
-                  <a14:hiddenLine xmlns:a14="http://schemas.microsoft.com/office/drawing/2010/main" xmlns="" w="9525">
+                  <a14:hiddenLine xmlns="" xmlns:a14="http://schemas.microsoft.com/office/drawing/2010/main" w="9525">
                     <a:solidFill>
                       <a:srgbClr val="000000"/>
                     </a:solidFill>
@@ -12430,7 +12430,7 @@
               </a:ln>
               <a:extLst>
                 <a:ext uri="{91240B29-F687-4f45-9708-019B960494DF}">
-                  <a14:hiddenLine xmlns:a14="http://schemas.microsoft.com/office/drawing/2010/main" xmlns="" w="9525">
+                  <a14:hiddenLine xmlns="" xmlns:a14="http://schemas.microsoft.com/office/drawing/2010/main" w="9525">
                     <a:solidFill>
                       <a:srgbClr val="000000"/>
                     </a:solidFill>
@@ -12570,7 +12570,7 @@
           <a:p>
             <a:fld id="{C290FA86-B8AF-49FD-AA83-9A70ED54AA50}" type="datetime1">
               <a:rPr lang="en-US" smtClean="0"/>
-              <a:t>12/15/2021</a:t>
+              <a:t>12/16/2021</a:t>
             </a:fld>
             <a:endParaRPr lang="en-US" dirty="0"/>
           </a:p>
@@ -13102,7 +13102,7 @@
           <a:p>
             <a:fld id="{8FE231FB-7DD0-4D10-97B6-4889A45EC68C}" type="datetime1">
               <a:rPr lang="en-US" smtClean="0"/>
-              <a:t>12/15/2021</a:t>
+              <a:t>12/16/2021</a:t>
             </a:fld>
             <a:endParaRPr lang="en-US" dirty="0"/>
           </a:p>
@@ -13516,7 +13516,7 @@
           <a:p>
             <a:fld id="{E2FDAFB7-7483-40E4-8A2D-4B57AB203851}" type="datetime1">
               <a:rPr lang="en-US" smtClean="0"/>
-              <a:t>12/15/2021</a:t>
+              <a:t>12/16/2021</a:t>
             </a:fld>
             <a:endParaRPr lang="en-US" dirty="0"/>
           </a:p>
@@ -13745,7 +13745,7 @@
           <a:p>
             <a:fld id="{1C6AC064-C8C9-4D76-9D3D-22A283DCDC50}" type="datetime1">
               <a:rPr lang="en-US" smtClean="0"/>
-              <a:t>12/15/2021</a:t>
+              <a:t>12/16/2021</a:t>
             </a:fld>
             <a:endParaRPr lang="en-US" dirty="0"/>
           </a:p>
@@ -14012,7 +14012,7 @@
           <a:p>
             <a:fld id="{C934F849-9AE7-4E4D-A567-F3952FFBD180}" type="datetime1">
               <a:rPr lang="en-US" smtClean="0"/>
-              <a:t>12/15/2021</a:t>
+              <a:t>12/16/2021</a:t>
             </a:fld>
             <a:endParaRPr lang="en-US" dirty="0"/>
           </a:p>
@@ -14408,7 +14408,7 @@
           <a:p>
             <a:fld id="{5F04EF40-A464-4F61-92E4-FAF87325256A}" type="datetime1">
               <a:rPr lang="en-US" smtClean="0"/>
-              <a:t>12/15/2021</a:t>
+              <a:t>12/16/2021</a:t>
             </a:fld>
             <a:endParaRPr lang="en-US" dirty="0"/>
           </a:p>
@@ -14840,7 +14840,7 @@
           <a:p>
             <a:fld id="{3083C7D6-F119-46B2-88C5-41F66A17A86C}" type="datetime1">
               <a:rPr lang="en-US" smtClean="0"/>
-              <a:t>12/15/2021</a:t>
+              <a:t>12/16/2021</a:t>
             </a:fld>
             <a:endParaRPr lang="en-US" dirty="0"/>
           </a:p>
@@ -15156,7 +15156,7 @@
           <a:p>
             <a:fld id="{20BC8770-5672-4B1A-884B-9B9D2CB4325F}" type="datetime1">
               <a:rPr lang="en-US" smtClean="0"/>
-              <a:t>12/15/2021</a:t>
+              <a:t>12/16/2021</a:t>
             </a:fld>
             <a:endParaRPr lang="en-US" dirty="0"/>
           </a:p>
@@ -15331,7 +15331,7 @@
       </p:sp>
       <p:pic>
         <p:nvPicPr>
-          <p:cNvPr id="5" name="Picture 4" descr="A picture containing text, electronics, circuit&#10;&#10;Description automatically generated">
+          <p:cNvPr id="5" name="Picture 4">
             <a:extLst>
               <a:ext uri="{FF2B5EF4-FFF2-40B4-BE49-F238E27FC236}">
                 <a16:creationId xmlns:a16="http://schemas.microsoft.com/office/drawing/2014/main" id="{88682DF4-3F3A-4CD7-ACF3-ADDA326D75BD}"/>
@@ -15345,14 +15345,13 @@
         </p:nvPicPr>
         <p:blipFill>
           <a:blip r:embed="rId2"/>
-          <a:stretch>
-            <a:fillRect/>
-          </a:stretch>
+          <a:srcRect/>
+          <a:stretch/>
         </p:blipFill>
         <p:spPr>
-          <a:xfrm rot="5400000">
-            <a:off x="6617582" y="3180960"/>
-            <a:ext cx="2081033" cy="4610101"/>
+          <a:xfrm>
+            <a:off x="5407897" y="4324681"/>
+            <a:ext cx="3810748" cy="1923718"/>
           </a:xfrm>
           <a:prstGeom prst="rect">
             <a:avLst/>
@@ -15412,7 +15411,7 @@
           <a:p>
             <a:fld id="{285117D6-C9B3-48B9-9799-0F63027DAE1C}" type="datetime1">
               <a:rPr lang="en-US" smtClean="0"/>
-              <a:t>12/15/2021</a:t>
+              <a:t>12/16/2021</a:t>
             </a:fld>
             <a:endParaRPr lang="en-US" dirty="0"/>
           </a:p>
@@ -15613,7 +15612,7 @@
           <a:p>
             <a:fld id="{285117D6-C9B3-48B9-9799-0F63027DAE1C}" type="datetime1">
               <a:rPr lang="en-US" smtClean="0"/>
-              <a:t>12/15/2021</a:t>
+              <a:t>12/16/2021</a:t>
             </a:fld>
             <a:endParaRPr lang="en-US" dirty="0"/>
           </a:p>
@@ -15687,13 +15686,13 @@
   <p:clrMapOvr>
     <a:masterClrMapping/>
   </p:clrMapOvr>
-  <mc:AlternateContent xmlns:mc="http://schemas.openxmlformats.org/markup-compatibility/2006">
-    <mc:Choice xmlns:p159="http://schemas.microsoft.com/office/powerpoint/2015/09/main" Requires="p159">
+  <mc:AlternateContent xmlns:mc="http://schemas.openxmlformats.org/markup-compatibility/2006" xmlns:p159="http://schemas.microsoft.com/office/powerpoint/2015/09/main">
+    <mc:Choice Requires="p159">
       <p:transition xmlns:p14="http://schemas.microsoft.com/office/powerpoint/2010/main" spd="slow" p14:dur="2000">
         <p159:morph option="byChar"/>
       </p:transition>
     </mc:Choice>
-    <mc:Fallback>
+    <mc:Fallback xmlns="">
       <p:transition spd="slow">
         <p:fade/>
       </p:transition>

--- a/Pwm drawer project.pptx
+++ b/Pwm drawer project.pptx
@@ -540,7 +540,7 @@
           <a:noFill/>
           <a:extLst>
             <a:ext uri="{909E8E84-426E-40dd-AFC4-6F175D3DCCD1}">
-              <a14:hiddenFill xmlns="" xmlns:a14="http://schemas.microsoft.com/office/drawing/2010/main">
+              <a14:hiddenFill xmlns:a14="http://schemas.microsoft.com/office/drawing/2010/main" xmlns="">
                 <a:solidFill>
                   <a:srgbClr val="FFFFFF"/>
                 </a:solidFill>
@@ -599,7 +599,7 @@
             </a:ln>
             <a:extLst>
               <a:ext uri="{91240B29-F687-4f45-9708-019B960494DF}">
-                <a14:hiddenLine xmlns="" xmlns:a14="http://schemas.microsoft.com/office/drawing/2010/main" w="9525">
+                <a14:hiddenLine xmlns:a14="http://schemas.microsoft.com/office/drawing/2010/main" xmlns="" w="9525">
                   <a:solidFill>
                     <a:srgbClr val="000000"/>
                   </a:solidFill>
@@ -689,7 +689,7 @@
             </a:ln>
             <a:extLst>
               <a:ext uri="{91240B29-F687-4f45-9708-019B960494DF}">
-                <a14:hiddenLine xmlns="" xmlns:a14="http://schemas.microsoft.com/office/drawing/2010/main" w="9525">
+                <a14:hiddenLine xmlns:a14="http://schemas.microsoft.com/office/drawing/2010/main" xmlns="" w="9525">
                   <a:solidFill>
                     <a:srgbClr val="000000"/>
                   </a:solidFill>
@@ -779,7 +779,7 @@
             </a:ln>
             <a:extLst>
               <a:ext uri="{91240B29-F687-4f45-9708-019B960494DF}">
-                <a14:hiddenLine xmlns="" xmlns:a14="http://schemas.microsoft.com/office/drawing/2010/main" w="9525">
+                <a14:hiddenLine xmlns:a14="http://schemas.microsoft.com/office/drawing/2010/main" xmlns="" w="9525">
                   <a:solidFill>
                     <a:srgbClr val="000000"/>
                   </a:solidFill>
@@ -813,7 +813,7 @@
             </a:ln>
             <a:extLst>
               <a:ext uri="{91240B29-F687-4f45-9708-019B960494DF}">
-                <a14:hiddenLine xmlns="" xmlns:a14="http://schemas.microsoft.com/office/drawing/2010/main" w="9525">
+                <a14:hiddenLine xmlns:a14="http://schemas.microsoft.com/office/drawing/2010/main" xmlns="" w="9525">
                   <a:solidFill>
                     <a:srgbClr val="000000"/>
                   </a:solidFill>
@@ -903,7 +903,7 @@
             </a:ln>
             <a:extLst>
               <a:ext uri="{91240B29-F687-4f45-9708-019B960494DF}">
-                <a14:hiddenLine xmlns="" xmlns:a14="http://schemas.microsoft.com/office/drawing/2010/main" w="9525">
+                <a14:hiddenLine xmlns:a14="http://schemas.microsoft.com/office/drawing/2010/main" xmlns="" w="9525">
                   <a:solidFill>
                     <a:srgbClr val="000000"/>
                   </a:solidFill>
@@ -965,7 +965,7 @@
             </a:ln>
             <a:extLst>
               <a:ext uri="{91240B29-F687-4f45-9708-019B960494DF}">
-                <a14:hiddenLine xmlns="" xmlns:a14="http://schemas.microsoft.com/office/drawing/2010/main" w="9525">
+                <a14:hiddenLine xmlns:a14="http://schemas.microsoft.com/office/drawing/2010/main" xmlns="" w="9525">
                   <a:solidFill>
                     <a:srgbClr val="000000"/>
                   </a:solidFill>
@@ -1027,7 +1027,7 @@
             </a:ln>
             <a:extLst>
               <a:ext uri="{91240B29-F687-4f45-9708-019B960494DF}">
-                <a14:hiddenLine xmlns="" xmlns:a14="http://schemas.microsoft.com/office/drawing/2010/main" w="9525">
+                <a14:hiddenLine xmlns:a14="http://schemas.microsoft.com/office/drawing/2010/main" xmlns="" w="9525">
                   <a:solidFill>
                     <a:srgbClr val="000000"/>
                   </a:solidFill>
@@ -1117,7 +1117,7 @@
             </a:ln>
             <a:extLst>
               <a:ext uri="{91240B29-F687-4f45-9708-019B960494DF}">
-                <a14:hiddenLine xmlns="" xmlns:a14="http://schemas.microsoft.com/office/drawing/2010/main" w="9525">
+                <a14:hiddenLine xmlns:a14="http://schemas.microsoft.com/office/drawing/2010/main" xmlns="" w="9525">
                   <a:solidFill>
                     <a:srgbClr val="000000"/>
                   </a:solidFill>
@@ -1179,7 +1179,7 @@
             </a:ln>
             <a:extLst>
               <a:ext uri="{91240B29-F687-4f45-9708-019B960494DF}">
-                <a14:hiddenLine xmlns="" xmlns:a14="http://schemas.microsoft.com/office/drawing/2010/main" w="9525">
+                <a14:hiddenLine xmlns:a14="http://schemas.microsoft.com/office/drawing/2010/main" xmlns="" w="9525">
                   <a:solidFill>
                     <a:srgbClr val="000000"/>
                   </a:solidFill>
@@ -1241,7 +1241,7 @@
             </a:ln>
             <a:extLst>
               <a:ext uri="{91240B29-F687-4f45-9708-019B960494DF}">
-                <a14:hiddenLine xmlns="" xmlns:a14="http://schemas.microsoft.com/office/drawing/2010/main" w="9525">
+                <a14:hiddenLine xmlns:a14="http://schemas.microsoft.com/office/drawing/2010/main" xmlns="" w="9525">
                   <a:solidFill>
                     <a:srgbClr val="000000"/>
                   </a:solidFill>
@@ -1331,7 +1331,7 @@
             </a:ln>
             <a:extLst>
               <a:ext uri="{91240B29-F687-4f45-9708-019B960494DF}">
-                <a14:hiddenLine xmlns="" xmlns:a14="http://schemas.microsoft.com/office/drawing/2010/main" w="9525">
+                <a14:hiddenLine xmlns:a14="http://schemas.microsoft.com/office/drawing/2010/main" xmlns="" w="9525">
                   <a:solidFill>
                     <a:srgbClr val="000000"/>
                   </a:solidFill>
@@ -1421,7 +1421,7 @@
             </a:ln>
             <a:extLst>
               <a:ext uri="{91240B29-F687-4f45-9708-019B960494DF}">
-                <a14:hiddenLine xmlns="" xmlns:a14="http://schemas.microsoft.com/office/drawing/2010/main" w="9525">
+                <a14:hiddenLine xmlns:a14="http://schemas.microsoft.com/office/drawing/2010/main" xmlns="" w="9525">
                   <a:solidFill>
                     <a:srgbClr val="000000"/>
                   </a:solidFill>
@@ -1483,7 +1483,7 @@
             </a:ln>
             <a:extLst>
               <a:ext uri="{91240B29-F687-4f45-9708-019B960494DF}">
-                <a14:hiddenLine xmlns="" xmlns:a14="http://schemas.microsoft.com/office/drawing/2010/main" w="9525">
+                <a14:hiddenLine xmlns:a14="http://schemas.microsoft.com/office/drawing/2010/main" xmlns="" w="9525">
                   <a:solidFill>
                     <a:srgbClr val="000000"/>
                   </a:solidFill>
@@ -1593,7 +1593,7 @@
             </a:ln>
             <a:extLst>
               <a:ext uri="{91240B29-F687-4f45-9708-019B960494DF}">
-                <a14:hiddenLine xmlns="" xmlns:a14="http://schemas.microsoft.com/office/drawing/2010/main" w="9525">
+                <a14:hiddenLine xmlns:a14="http://schemas.microsoft.com/office/drawing/2010/main" xmlns="" w="9525">
                   <a:solidFill>
                     <a:srgbClr val="000000"/>
                   </a:solidFill>
@@ -1655,7 +1655,7 @@
             </a:ln>
             <a:extLst>
               <a:ext uri="{91240B29-F687-4f45-9708-019B960494DF}">
-                <a14:hiddenLine xmlns="" xmlns:a14="http://schemas.microsoft.com/office/drawing/2010/main" w="9525">
+                <a14:hiddenLine xmlns:a14="http://schemas.microsoft.com/office/drawing/2010/main" xmlns="" w="9525">
                   <a:solidFill>
                     <a:srgbClr val="000000"/>
                   </a:solidFill>
@@ -1745,7 +1745,7 @@
             </a:ln>
             <a:extLst>
               <a:ext uri="{91240B29-F687-4f45-9708-019B960494DF}">
-                <a14:hiddenLine xmlns="" xmlns:a14="http://schemas.microsoft.com/office/drawing/2010/main" w="9525">
+                <a14:hiddenLine xmlns:a14="http://schemas.microsoft.com/office/drawing/2010/main" xmlns="" w="9525">
                   <a:solidFill>
                     <a:srgbClr val="000000"/>
                   </a:solidFill>
@@ -1835,7 +1835,7 @@
             </a:ln>
             <a:extLst>
               <a:ext uri="{91240B29-F687-4f45-9708-019B960494DF}">
-                <a14:hiddenLine xmlns="" xmlns:a14="http://schemas.microsoft.com/office/drawing/2010/main" w="9525">
+                <a14:hiddenLine xmlns:a14="http://schemas.microsoft.com/office/drawing/2010/main" xmlns="" w="9525">
                   <a:solidFill>
                     <a:srgbClr val="000000"/>
                   </a:solidFill>
@@ -1897,7 +1897,7 @@
             </a:ln>
             <a:extLst>
               <a:ext uri="{91240B29-F687-4f45-9708-019B960494DF}">
-                <a14:hiddenLine xmlns="" xmlns:a14="http://schemas.microsoft.com/office/drawing/2010/main" w="9525">
+                <a14:hiddenLine xmlns:a14="http://schemas.microsoft.com/office/drawing/2010/main" xmlns="" w="9525">
                   <a:solidFill>
                     <a:srgbClr val="000000"/>
                   </a:solidFill>
@@ -1987,7 +1987,7 @@
             </a:ln>
             <a:extLst>
               <a:ext uri="{91240B29-F687-4f45-9708-019B960494DF}">
-                <a14:hiddenLine xmlns="" xmlns:a14="http://schemas.microsoft.com/office/drawing/2010/main" w="9525">
+                <a14:hiddenLine xmlns:a14="http://schemas.microsoft.com/office/drawing/2010/main" xmlns="" w="9525">
                   <a:solidFill>
                     <a:srgbClr val="000000"/>
                   </a:solidFill>
@@ -2077,7 +2077,7 @@
             </a:ln>
             <a:extLst>
               <a:ext uri="{91240B29-F687-4f45-9708-019B960494DF}">
-                <a14:hiddenLine xmlns="" xmlns:a14="http://schemas.microsoft.com/office/drawing/2010/main" w="9525">
+                <a14:hiddenLine xmlns:a14="http://schemas.microsoft.com/office/drawing/2010/main" xmlns="" w="9525">
                   <a:solidFill>
                     <a:srgbClr val="000000"/>
                   </a:solidFill>
@@ -2133,7 +2133,7 @@
             </a:ln>
             <a:extLst>
               <a:ext uri="{91240B29-F687-4f45-9708-019B960494DF}">
-                <a14:hiddenLine xmlns="" xmlns:a14="http://schemas.microsoft.com/office/drawing/2010/main" w="9525">
+                <a14:hiddenLine xmlns:a14="http://schemas.microsoft.com/office/drawing/2010/main" xmlns="" w="9525">
                   <a:solidFill>
                     <a:srgbClr val="000000"/>
                   </a:solidFill>
@@ -2223,7 +2223,7 @@
             </a:ln>
             <a:extLst>
               <a:ext uri="{91240B29-F687-4f45-9708-019B960494DF}">
-                <a14:hiddenLine xmlns="" xmlns:a14="http://schemas.microsoft.com/office/drawing/2010/main" w="9525">
+                <a14:hiddenLine xmlns:a14="http://schemas.microsoft.com/office/drawing/2010/main" xmlns="" w="9525">
                   <a:solidFill>
                     <a:srgbClr val="000000"/>
                   </a:solidFill>
@@ -2279,7 +2279,7 @@
             </a:ln>
             <a:extLst>
               <a:ext uri="{91240B29-F687-4f45-9708-019B960494DF}">
-                <a14:hiddenLine xmlns="" xmlns:a14="http://schemas.microsoft.com/office/drawing/2010/main" w="9525">
+                <a14:hiddenLine xmlns:a14="http://schemas.microsoft.com/office/drawing/2010/main" xmlns="" w="9525">
                   <a:solidFill>
                     <a:srgbClr val="000000"/>
                   </a:solidFill>
@@ -2369,7 +2369,7 @@
             </a:ln>
             <a:extLst>
               <a:ext uri="{91240B29-F687-4f45-9708-019B960494DF}">
-                <a14:hiddenLine xmlns="" xmlns:a14="http://schemas.microsoft.com/office/drawing/2010/main" w="9525">
+                <a14:hiddenLine xmlns:a14="http://schemas.microsoft.com/office/drawing/2010/main" xmlns="" w="9525">
                   <a:solidFill>
                     <a:srgbClr val="000000"/>
                   </a:solidFill>
@@ -2437,7 +2437,7 @@
             </a:ln>
             <a:extLst>
               <a:ext uri="{91240B29-F687-4f45-9708-019B960494DF}">
-                <a14:hiddenLine xmlns="" xmlns:a14="http://schemas.microsoft.com/office/drawing/2010/main" w="9525">
+                <a14:hiddenLine xmlns:a14="http://schemas.microsoft.com/office/drawing/2010/main" xmlns="" w="9525">
                   <a:solidFill>
                     <a:srgbClr val="000000"/>
                   </a:solidFill>
@@ -2527,7 +2527,7 @@
             </a:ln>
             <a:extLst>
               <a:ext uri="{91240B29-F687-4f45-9708-019B960494DF}">
-                <a14:hiddenLine xmlns="" xmlns:a14="http://schemas.microsoft.com/office/drawing/2010/main" w="9525">
+                <a14:hiddenLine xmlns:a14="http://schemas.microsoft.com/office/drawing/2010/main" xmlns="" w="9525">
                   <a:solidFill>
                     <a:srgbClr val="000000"/>
                   </a:solidFill>
@@ -2595,7 +2595,7 @@
             </a:ln>
             <a:extLst>
               <a:ext uri="{91240B29-F687-4f45-9708-019B960494DF}">
-                <a14:hiddenLine xmlns="" xmlns:a14="http://schemas.microsoft.com/office/drawing/2010/main" w="9525">
+                <a14:hiddenLine xmlns:a14="http://schemas.microsoft.com/office/drawing/2010/main" xmlns="" w="9525">
                   <a:solidFill>
                     <a:srgbClr val="000000"/>
                   </a:solidFill>
@@ -2685,7 +2685,7 @@
             </a:ln>
             <a:extLst>
               <a:ext uri="{91240B29-F687-4f45-9708-019B960494DF}">
-                <a14:hiddenLine xmlns="" xmlns:a14="http://schemas.microsoft.com/office/drawing/2010/main" w="9525">
+                <a14:hiddenLine xmlns:a14="http://schemas.microsoft.com/office/drawing/2010/main" xmlns="" w="9525">
                   <a:solidFill>
                     <a:srgbClr val="000000"/>
                   </a:solidFill>
@@ -2719,7 +2719,7 @@
             </a:ln>
             <a:extLst>
               <a:ext uri="{91240B29-F687-4f45-9708-019B960494DF}">
-                <a14:hiddenLine xmlns="" xmlns:a14="http://schemas.microsoft.com/office/drawing/2010/main" w="9525">
+                <a14:hiddenLine xmlns:a14="http://schemas.microsoft.com/office/drawing/2010/main" xmlns="" w="9525">
                   <a:solidFill>
                     <a:srgbClr val="000000"/>
                   </a:solidFill>
@@ -2809,7 +2809,7 @@
             </a:ln>
             <a:extLst>
               <a:ext uri="{91240B29-F687-4f45-9708-019B960494DF}">
-                <a14:hiddenLine xmlns="" xmlns:a14="http://schemas.microsoft.com/office/drawing/2010/main" w="9525">
+                <a14:hiddenLine xmlns:a14="http://schemas.microsoft.com/office/drawing/2010/main" xmlns="" w="9525">
                   <a:solidFill>
                     <a:srgbClr val="000000"/>
                   </a:solidFill>
@@ -2871,7 +2871,7 @@
             </a:ln>
             <a:extLst>
               <a:ext uri="{91240B29-F687-4f45-9708-019B960494DF}">
-                <a14:hiddenLine xmlns="" xmlns:a14="http://schemas.microsoft.com/office/drawing/2010/main" w="9525">
+                <a14:hiddenLine xmlns:a14="http://schemas.microsoft.com/office/drawing/2010/main" xmlns="" w="9525">
                   <a:solidFill>
                     <a:srgbClr val="000000"/>
                   </a:solidFill>
@@ -2933,7 +2933,7 @@
             </a:ln>
             <a:extLst>
               <a:ext uri="{91240B29-F687-4f45-9708-019B960494DF}">
-                <a14:hiddenLine xmlns="" xmlns:a14="http://schemas.microsoft.com/office/drawing/2010/main" w="9525">
+                <a14:hiddenLine xmlns:a14="http://schemas.microsoft.com/office/drawing/2010/main" xmlns="" w="9525">
                   <a:solidFill>
                     <a:srgbClr val="000000"/>
                   </a:solidFill>
@@ -3023,7 +3023,7 @@
             </a:ln>
             <a:extLst>
               <a:ext uri="{91240B29-F687-4f45-9708-019B960494DF}">
-                <a14:hiddenLine xmlns="" xmlns:a14="http://schemas.microsoft.com/office/drawing/2010/main" w="9525">
+                <a14:hiddenLine xmlns:a14="http://schemas.microsoft.com/office/drawing/2010/main" xmlns="" w="9525">
                   <a:solidFill>
                     <a:srgbClr val="000000"/>
                   </a:solidFill>
@@ -3091,7 +3091,7 @@
             </a:ln>
             <a:extLst>
               <a:ext uri="{91240B29-F687-4f45-9708-019B960494DF}">
-                <a14:hiddenLine xmlns="" xmlns:a14="http://schemas.microsoft.com/office/drawing/2010/main" w="9525">
+                <a14:hiddenLine xmlns:a14="http://schemas.microsoft.com/office/drawing/2010/main" xmlns="" w="9525">
                   <a:solidFill>
                     <a:srgbClr val="000000"/>
                   </a:solidFill>
@@ -3153,7 +3153,7 @@
             </a:ln>
             <a:extLst>
               <a:ext uri="{91240B29-F687-4f45-9708-019B960494DF}">
-                <a14:hiddenLine xmlns="" xmlns:a14="http://schemas.microsoft.com/office/drawing/2010/main" w="9525">
+                <a14:hiddenLine xmlns:a14="http://schemas.microsoft.com/office/drawing/2010/main" xmlns="" w="9525">
                   <a:solidFill>
                     <a:srgbClr val="000000"/>
                   </a:solidFill>
@@ -3243,7 +3243,7 @@
             </a:ln>
             <a:extLst>
               <a:ext uri="{91240B29-F687-4f45-9708-019B960494DF}">
-                <a14:hiddenLine xmlns="" xmlns:a14="http://schemas.microsoft.com/office/drawing/2010/main" w="9525">
+                <a14:hiddenLine xmlns:a14="http://schemas.microsoft.com/office/drawing/2010/main" xmlns="" w="9525">
                   <a:solidFill>
                     <a:srgbClr val="000000"/>
                   </a:solidFill>
@@ -3305,7 +3305,7 @@
             </a:ln>
             <a:extLst>
               <a:ext uri="{91240B29-F687-4f45-9708-019B960494DF}">
-                <a14:hiddenLine xmlns="" xmlns:a14="http://schemas.microsoft.com/office/drawing/2010/main" w="9525">
+                <a14:hiddenLine xmlns:a14="http://schemas.microsoft.com/office/drawing/2010/main" xmlns="" w="9525">
                   <a:solidFill>
                     <a:srgbClr val="000000"/>
                   </a:solidFill>
@@ -3395,7 +3395,7 @@
             </a:ln>
             <a:extLst>
               <a:ext uri="{91240B29-F687-4f45-9708-019B960494DF}">
-                <a14:hiddenLine xmlns="" xmlns:a14="http://schemas.microsoft.com/office/drawing/2010/main" w="9525">
+                <a14:hiddenLine xmlns:a14="http://schemas.microsoft.com/office/drawing/2010/main" xmlns="" w="9525">
                   <a:solidFill>
                     <a:srgbClr val="000000"/>
                   </a:solidFill>
@@ -3457,7 +3457,7 @@
             </a:ln>
             <a:extLst>
               <a:ext uri="{91240B29-F687-4f45-9708-019B960494DF}">
-                <a14:hiddenLine xmlns="" xmlns:a14="http://schemas.microsoft.com/office/drawing/2010/main" w="9525">
+                <a14:hiddenLine xmlns:a14="http://schemas.microsoft.com/office/drawing/2010/main" xmlns="" w="9525">
                   <a:solidFill>
                     <a:srgbClr val="000000"/>
                   </a:solidFill>
@@ -3547,7 +3547,7 @@
             </a:ln>
             <a:extLst>
               <a:ext uri="{91240B29-F687-4f45-9708-019B960494DF}">
-                <a14:hiddenLine xmlns="" xmlns:a14="http://schemas.microsoft.com/office/drawing/2010/main" w="9525">
+                <a14:hiddenLine xmlns:a14="http://schemas.microsoft.com/office/drawing/2010/main" xmlns="" w="9525">
                   <a:solidFill>
                     <a:srgbClr val="000000"/>
                   </a:solidFill>
@@ -3581,7 +3581,7 @@
             </a:ln>
             <a:extLst>
               <a:ext uri="{91240B29-F687-4f45-9708-019B960494DF}">
-                <a14:hiddenLine xmlns="" xmlns:a14="http://schemas.microsoft.com/office/drawing/2010/main" w="9525">
+                <a14:hiddenLine xmlns:a14="http://schemas.microsoft.com/office/drawing/2010/main" xmlns="" w="9525">
                   <a:solidFill>
                     <a:srgbClr val="000000"/>
                   </a:solidFill>
@@ -3646,7 +3646,7 @@
             </a:ln>
             <a:extLst>
               <a:ext uri="{91240B29-F687-4f45-9708-019B960494DF}">
-                <a14:hiddenLine xmlns="" xmlns:a14="http://schemas.microsoft.com/office/drawing/2010/main" w="9525">
+                <a14:hiddenLine xmlns:a14="http://schemas.microsoft.com/office/drawing/2010/main" xmlns="" w="9525">
                   <a:solidFill>
                     <a:srgbClr val="000000"/>
                   </a:solidFill>
@@ -3736,7 +3736,7 @@
             </a:ln>
             <a:extLst>
               <a:ext uri="{91240B29-F687-4f45-9708-019B960494DF}">
-                <a14:hiddenLine xmlns="" xmlns:a14="http://schemas.microsoft.com/office/drawing/2010/main" w="9525">
+                <a14:hiddenLine xmlns:a14="http://schemas.microsoft.com/office/drawing/2010/main" xmlns="" w="9525">
                   <a:solidFill>
                     <a:srgbClr val="000000"/>
                   </a:solidFill>
@@ -3798,7 +3798,7 @@
             </a:ln>
             <a:extLst>
               <a:ext uri="{91240B29-F687-4f45-9708-019B960494DF}">
-                <a14:hiddenLine xmlns="" xmlns:a14="http://schemas.microsoft.com/office/drawing/2010/main" w="9525">
+                <a14:hiddenLine xmlns:a14="http://schemas.microsoft.com/office/drawing/2010/main" xmlns="" w="9525">
                   <a:solidFill>
                     <a:srgbClr val="000000"/>
                   </a:solidFill>
@@ -3888,7 +3888,7 @@
             </a:ln>
             <a:extLst>
               <a:ext uri="{91240B29-F687-4f45-9708-019B960494DF}">
-                <a14:hiddenLine xmlns="" xmlns:a14="http://schemas.microsoft.com/office/drawing/2010/main" w="9525">
+                <a14:hiddenLine xmlns:a14="http://schemas.microsoft.com/office/drawing/2010/main" xmlns="" w="9525">
                   <a:solidFill>
                     <a:srgbClr val="000000"/>
                   </a:solidFill>
@@ -3978,7 +3978,7 @@
             </a:ln>
             <a:extLst>
               <a:ext uri="{91240B29-F687-4f45-9708-019B960494DF}">
-                <a14:hiddenLine xmlns="" xmlns:a14="http://schemas.microsoft.com/office/drawing/2010/main" w="9525">
+                <a14:hiddenLine xmlns:a14="http://schemas.microsoft.com/office/drawing/2010/main" xmlns="" w="9525">
                   <a:solidFill>
                     <a:srgbClr val="000000"/>
                   </a:solidFill>
@@ -4043,7 +4043,7 @@
             </a:ln>
             <a:extLst>
               <a:ext uri="{91240B29-F687-4f45-9708-019B960494DF}">
-                <a14:hiddenLine xmlns="" xmlns:a14="http://schemas.microsoft.com/office/drawing/2010/main" w="9525">
+                <a14:hiddenLine xmlns:a14="http://schemas.microsoft.com/office/drawing/2010/main" xmlns="" w="9525">
                   <a:solidFill>
                     <a:srgbClr val="000000"/>
                   </a:solidFill>
@@ -4105,7 +4105,7 @@
             </a:ln>
             <a:extLst>
               <a:ext uri="{91240B29-F687-4f45-9708-019B960494DF}">
-                <a14:hiddenLine xmlns="" xmlns:a14="http://schemas.microsoft.com/office/drawing/2010/main" w="9525">
+                <a14:hiddenLine xmlns:a14="http://schemas.microsoft.com/office/drawing/2010/main" xmlns="" w="9525">
                   <a:solidFill>
                     <a:srgbClr val="000000"/>
                   </a:solidFill>
@@ -4195,7 +4195,7 @@
             </a:ln>
             <a:extLst>
               <a:ext uri="{91240B29-F687-4f45-9708-019B960494DF}">
-                <a14:hiddenLine xmlns="" xmlns:a14="http://schemas.microsoft.com/office/drawing/2010/main" w="9525">
+                <a14:hiddenLine xmlns:a14="http://schemas.microsoft.com/office/drawing/2010/main" xmlns="" w="9525">
                   <a:solidFill>
                     <a:srgbClr val="000000"/>
                   </a:solidFill>
@@ -4285,7 +4285,7 @@
             </a:ln>
             <a:extLst>
               <a:ext uri="{91240B29-F687-4f45-9708-019B960494DF}">
-                <a14:hiddenLine xmlns="" xmlns:a14="http://schemas.microsoft.com/office/drawing/2010/main" w="9525">
+                <a14:hiddenLine xmlns:a14="http://schemas.microsoft.com/office/drawing/2010/main" xmlns="" w="9525">
                   <a:solidFill>
                     <a:srgbClr val="000000"/>
                   </a:solidFill>
@@ -4347,7 +4347,7 @@
             </a:ln>
             <a:extLst>
               <a:ext uri="{91240B29-F687-4f45-9708-019B960494DF}">
-                <a14:hiddenLine xmlns="" xmlns:a14="http://schemas.microsoft.com/office/drawing/2010/main" w="9525">
+                <a14:hiddenLine xmlns:a14="http://schemas.microsoft.com/office/drawing/2010/main" xmlns="" w="9525">
                   <a:solidFill>
                     <a:srgbClr val="000000"/>
                   </a:solidFill>
@@ -4467,7 +4467,7 @@
             </a:ln>
             <a:extLst>
               <a:ext uri="{91240B29-F687-4f45-9708-019B960494DF}">
-                <a14:hiddenLine xmlns="" xmlns:a14="http://schemas.microsoft.com/office/drawing/2010/main" w="9525">
+                <a14:hiddenLine xmlns:a14="http://schemas.microsoft.com/office/drawing/2010/main" xmlns="" w="9525">
                   <a:solidFill>
                     <a:srgbClr val="000000"/>
                   </a:solidFill>
@@ -4535,7 +4535,7 @@
             </a:ln>
             <a:extLst>
               <a:ext uri="{91240B29-F687-4f45-9708-019B960494DF}">
-                <a14:hiddenLine xmlns="" xmlns:a14="http://schemas.microsoft.com/office/drawing/2010/main" w="9525">
+                <a14:hiddenLine xmlns:a14="http://schemas.microsoft.com/office/drawing/2010/main" xmlns="" w="9525">
                   <a:solidFill>
                     <a:srgbClr val="000000"/>
                   </a:solidFill>
@@ -4625,7 +4625,7 @@
             </a:ln>
             <a:extLst>
               <a:ext uri="{91240B29-F687-4f45-9708-019B960494DF}">
-                <a14:hiddenLine xmlns="" xmlns:a14="http://schemas.microsoft.com/office/drawing/2010/main" w="9525">
+                <a14:hiddenLine xmlns:a14="http://schemas.microsoft.com/office/drawing/2010/main" xmlns="" w="9525">
                   <a:solidFill>
                     <a:srgbClr val="000000"/>
                   </a:solidFill>
@@ -9626,7 +9626,7 @@
           <a:noFill/>
           <a:extLst>
             <a:ext uri="{909E8E84-426E-40dd-AFC4-6F175D3DCCD1}">
-              <a14:hiddenFill xmlns="" xmlns:a14="http://schemas.microsoft.com/office/drawing/2010/main">
+              <a14:hiddenFill xmlns:a14="http://schemas.microsoft.com/office/drawing/2010/main" xmlns="">
                 <a:solidFill>
                   <a:srgbClr val="FFFFFF"/>
                 </a:solidFill>
@@ -9700,7 +9700,7 @@
               </a:ln>
               <a:extLst>
                 <a:ext uri="{91240B29-F687-4f45-9708-019B960494DF}">
-                  <a14:hiddenLine xmlns="" xmlns:a14="http://schemas.microsoft.com/office/drawing/2010/main" w="9525">
+                  <a14:hiddenLine xmlns:a14="http://schemas.microsoft.com/office/drawing/2010/main" xmlns="" w="9525">
                     <a:solidFill>
                       <a:srgbClr val="000000"/>
                     </a:solidFill>
@@ -9790,7 +9790,7 @@
               </a:ln>
               <a:extLst>
                 <a:ext uri="{91240B29-F687-4f45-9708-019B960494DF}">
-                  <a14:hiddenLine xmlns="" xmlns:a14="http://schemas.microsoft.com/office/drawing/2010/main" w="9525">
+                  <a14:hiddenLine xmlns:a14="http://schemas.microsoft.com/office/drawing/2010/main" xmlns="" w="9525">
                     <a:solidFill>
                       <a:srgbClr val="000000"/>
                     </a:solidFill>
@@ -9880,7 +9880,7 @@
               </a:ln>
               <a:extLst>
                 <a:ext uri="{91240B29-F687-4f45-9708-019B960494DF}">
-                  <a14:hiddenLine xmlns="" xmlns:a14="http://schemas.microsoft.com/office/drawing/2010/main" w="9525">
+                  <a14:hiddenLine xmlns:a14="http://schemas.microsoft.com/office/drawing/2010/main" xmlns="" w="9525">
                     <a:solidFill>
                       <a:srgbClr val="000000"/>
                     </a:solidFill>
@@ -9942,7 +9942,7 @@
               </a:ln>
               <a:extLst>
                 <a:ext uri="{91240B29-F687-4f45-9708-019B960494DF}">
-                  <a14:hiddenLine xmlns="" xmlns:a14="http://schemas.microsoft.com/office/drawing/2010/main" w="9525">
+                  <a14:hiddenLine xmlns:a14="http://schemas.microsoft.com/office/drawing/2010/main" xmlns="" w="9525">
                     <a:solidFill>
                       <a:srgbClr val="000000"/>
                     </a:solidFill>
@@ -10032,7 +10032,7 @@
               </a:ln>
               <a:extLst>
                 <a:ext uri="{91240B29-F687-4f45-9708-019B960494DF}">
-                  <a14:hiddenLine xmlns="" xmlns:a14="http://schemas.microsoft.com/office/drawing/2010/main" w="9525">
+                  <a14:hiddenLine xmlns:a14="http://schemas.microsoft.com/office/drawing/2010/main" xmlns="" w="9525">
                     <a:solidFill>
                       <a:srgbClr val="000000"/>
                     </a:solidFill>
@@ -10094,7 +10094,7 @@
               </a:ln>
               <a:extLst>
                 <a:ext uri="{91240B29-F687-4f45-9708-019B960494DF}">
-                  <a14:hiddenLine xmlns="" xmlns:a14="http://schemas.microsoft.com/office/drawing/2010/main" w="9525">
+                  <a14:hiddenLine xmlns:a14="http://schemas.microsoft.com/office/drawing/2010/main" xmlns="" w="9525">
                     <a:solidFill>
                       <a:srgbClr val="000000"/>
                     </a:solidFill>
@@ -10156,7 +10156,7 @@
               </a:ln>
               <a:extLst>
                 <a:ext uri="{91240B29-F687-4f45-9708-019B960494DF}">
-                  <a14:hiddenLine xmlns="" xmlns:a14="http://schemas.microsoft.com/office/drawing/2010/main" w="9525">
+                  <a14:hiddenLine xmlns:a14="http://schemas.microsoft.com/office/drawing/2010/main" xmlns="" w="9525">
                     <a:solidFill>
                       <a:srgbClr val="000000"/>
                     </a:solidFill>
@@ -10246,7 +10246,7 @@
               </a:ln>
               <a:extLst>
                 <a:ext uri="{91240B29-F687-4f45-9708-019B960494DF}">
-                  <a14:hiddenLine xmlns="" xmlns:a14="http://schemas.microsoft.com/office/drawing/2010/main" w="9525">
+                  <a14:hiddenLine xmlns:a14="http://schemas.microsoft.com/office/drawing/2010/main" xmlns="" w="9525">
                     <a:solidFill>
                       <a:srgbClr val="000000"/>
                     </a:solidFill>
@@ -10336,7 +10336,7 @@
               </a:ln>
               <a:extLst>
                 <a:ext uri="{91240B29-F687-4f45-9708-019B960494DF}">
-                  <a14:hiddenLine xmlns="" xmlns:a14="http://schemas.microsoft.com/office/drawing/2010/main" w="9525">
+                  <a14:hiddenLine xmlns:a14="http://schemas.microsoft.com/office/drawing/2010/main" xmlns="" w="9525">
                     <a:solidFill>
                       <a:srgbClr val="000000"/>
                     </a:solidFill>
@@ -10398,7 +10398,7 @@
               </a:ln>
               <a:extLst>
                 <a:ext uri="{91240B29-F687-4f45-9708-019B960494DF}">
-                  <a14:hiddenLine xmlns="" xmlns:a14="http://schemas.microsoft.com/office/drawing/2010/main" w="9525">
+                  <a14:hiddenLine xmlns:a14="http://schemas.microsoft.com/office/drawing/2010/main" xmlns="" w="9525">
                     <a:solidFill>
                       <a:srgbClr val="000000"/>
                     </a:solidFill>
@@ -10508,7 +10508,7 @@
               </a:ln>
               <a:extLst>
                 <a:ext uri="{91240B29-F687-4f45-9708-019B960494DF}">
-                  <a14:hiddenLine xmlns="" xmlns:a14="http://schemas.microsoft.com/office/drawing/2010/main" w="9525">
+                  <a14:hiddenLine xmlns:a14="http://schemas.microsoft.com/office/drawing/2010/main" xmlns="" w="9525">
                     <a:solidFill>
                       <a:srgbClr val="000000"/>
                     </a:solidFill>
@@ -10592,7 +10592,7 @@
               </a:ln>
               <a:extLst>
                 <a:ext uri="{91240B29-F687-4f45-9708-019B960494DF}">
-                  <a14:hiddenLine xmlns="" xmlns:a14="http://schemas.microsoft.com/office/drawing/2010/main" w="9525">
+                  <a14:hiddenLine xmlns:a14="http://schemas.microsoft.com/office/drawing/2010/main" xmlns="" w="9525">
                     <a:solidFill>
                       <a:srgbClr val="000000"/>
                     </a:solidFill>
@@ -10654,7 +10654,7 @@
               </a:ln>
               <a:extLst>
                 <a:ext uri="{91240B29-F687-4f45-9708-019B960494DF}">
-                  <a14:hiddenLine xmlns="" xmlns:a14="http://schemas.microsoft.com/office/drawing/2010/main" w="9525">
+                  <a14:hiddenLine xmlns:a14="http://schemas.microsoft.com/office/drawing/2010/main" xmlns="" w="9525">
                     <a:solidFill>
                       <a:srgbClr val="000000"/>
                     </a:solidFill>
@@ -10716,7 +10716,7 @@
               </a:ln>
               <a:extLst>
                 <a:ext uri="{91240B29-F687-4f45-9708-019B960494DF}">
-                  <a14:hiddenLine xmlns="" xmlns:a14="http://schemas.microsoft.com/office/drawing/2010/main" w="9525">
+                  <a14:hiddenLine xmlns:a14="http://schemas.microsoft.com/office/drawing/2010/main" xmlns="" w="9525">
                     <a:solidFill>
                       <a:srgbClr val="000000"/>
                     </a:solidFill>
@@ -10806,7 +10806,7 @@
               </a:ln>
               <a:extLst>
                 <a:ext uri="{91240B29-F687-4f45-9708-019B960494DF}">
-                  <a14:hiddenLine xmlns="" xmlns:a14="http://schemas.microsoft.com/office/drawing/2010/main" w="9525">
+                  <a14:hiddenLine xmlns:a14="http://schemas.microsoft.com/office/drawing/2010/main" xmlns="" w="9525">
                     <a:solidFill>
                       <a:srgbClr val="000000"/>
                     </a:solidFill>
@@ -10840,7 +10840,7 @@
               </a:ln>
               <a:extLst>
                 <a:ext uri="{91240B29-F687-4f45-9708-019B960494DF}">
-                  <a14:hiddenLine xmlns="" xmlns:a14="http://schemas.microsoft.com/office/drawing/2010/main" w="9525">
+                  <a14:hiddenLine xmlns:a14="http://schemas.microsoft.com/office/drawing/2010/main" xmlns="" w="9525">
                     <a:solidFill>
                       <a:srgbClr val="000000"/>
                     </a:solidFill>
@@ -10905,7 +10905,7 @@
               </a:ln>
               <a:extLst>
                 <a:ext uri="{91240B29-F687-4f45-9708-019B960494DF}">
-                  <a14:hiddenLine xmlns="" xmlns:a14="http://schemas.microsoft.com/office/drawing/2010/main" w="9525">
+                  <a14:hiddenLine xmlns:a14="http://schemas.microsoft.com/office/drawing/2010/main" xmlns="" w="9525">
                     <a:solidFill>
                       <a:srgbClr val="000000"/>
                     </a:solidFill>
@@ -10995,7 +10995,7 @@
               </a:ln>
               <a:extLst>
                 <a:ext uri="{91240B29-F687-4f45-9708-019B960494DF}">
-                  <a14:hiddenLine xmlns="" xmlns:a14="http://schemas.microsoft.com/office/drawing/2010/main" w="9525">
+                  <a14:hiddenLine xmlns:a14="http://schemas.microsoft.com/office/drawing/2010/main" xmlns="" w="9525">
                     <a:solidFill>
                       <a:srgbClr val="000000"/>
                     </a:solidFill>
@@ -11057,7 +11057,7 @@
               </a:ln>
               <a:extLst>
                 <a:ext uri="{91240B29-F687-4f45-9708-019B960494DF}">
-                  <a14:hiddenLine xmlns="" xmlns:a14="http://schemas.microsoft.com/office/drawing/2010/main" w="9525">
+                  <a14:hiddenLine xmlns:a14="http://schemas.microsoft.com/office/drawing/2010/main" xmlns="" w="9525">
                     <a:solidFill>
                       <a:srgbClr val="000000"/>
                     </a:solidFill>
@@ -11147,7 +11147,7 @@
               </a:ln>
               <a:extLst>
                 <a:ext uri="{91240B29-F687-4f45-9708-019B960494DF}">
-                  <a14:hiddenLine xmlns="" xmlns:a14="http://schemas.microsoft.com/office/drawing/2010/main" w="9525">
+                  <a14:hiddenLine xmlns:a14="http://schemas.microsoft.com/office/drawing/2010/main" xmlns="" w="9525">
                     <a:solidFill>
                       <a:srgbClr val="000000"/>
                     </a:solidFill>
@@ -11212,7 +11212,7 @@
               </a:ln>
               <a:extLst>
                 <a:ext uri="{91240B29-F687-4f45-9708-019B960494DF}">
-                  <a14:hiddenLine xmlns="" xmlns:a14="http://schemas.microsoft.com/office/drawing/2010/main" w="9525">
+                  <a14:hiddenLine xmlns:a14="http://schemas.microsoft.com/office/drawing/2010/main" xmlns="" w="9525">
                     <a:solidFill>
                       <a:srgbClr val="000000"/>
                     </a:solidFill>
@@ -11274,7 +11274,7 @@
               </a:ln>
               <a:extLst>
                 <a:ext uri="{91240B29-F687-4f45-9708-019B960494DF}">
-                  <a14:hiddenLine xmlns="" xmlns:a14="http://schemas.microsoft.com/office/drawing/2010/main" w="9525">
+                  <a14:hiddenLine xmlns:a14="http://schemas.microsoft.com/office/drawing/2010/main" xmlns="" w="9525">
                     <a:solidFill>
                       <a:srgbClr val="000000"/>
                     </a:solidFill>
@@ -11364,7 +11364,7 @@
               </a:ln>
               <a:extLst>
                 <a:ext uri="{91240B29-F687-4f45-9708-019B960494DF}">
-                  <a14:hiddenLine xmlns="" xmlns:a14="http://schemas.microsoft.com/office/drawing/2010/main" w="9525">
+                  <a14:hiddenLine xmlns:a14="http://schemas.microsoft.com/office/drawing/2010/main" xmlns="" w="9525">
                     <a:solidFill>
                       <a:srgbClr val="000000"/>
                     </a:solidFill>
@@ -11454,7 +11454,7 @@
               </a:ln>
               <a:extLst>
                 <a:ext uri="{91240B29-F687-4f45-9708-019B960494DF}">
-                  <a14:hiddenLine xmlns="" xmlns:a14="http://schemas.microsoft.com/office/drawing/2010/main" w="9525">
+                  <a14:hiddenLine xmlns:a14="http://schemas.microsoft.com/office/drawing/2010/main" xmlns="" w="9525">
                     <a:solidFill>
                       <a:srgbClr val="000000"/>
                     </a:solidFill>
@@ -11519,7 +11519,7 @@
               </a:ln>
               <a:extLst>
                 <a:ext uri="{91240B29-F687-4f45-9708-019B960494DF}">
-                  <a14:hiddenLine xmlns="" xmlns:a14="http://schemas.microsoft.com/office/drawing/2010/main" w="9525">
+                  <a14:hiddenLine xmlns:a14="http://schemas.microsoft.com/office/drawing/2010/main" xmlns="" w="9525">
                     <a:solidFill>
                       <a:srgbClr val="000000"/>
                     </a:solidFill>
@@ -11639,7 +11639,7 @@
               </a:ln>
               <a:extLst>
                 <a:ext uri="{91240B29-F687-4f45-9708-019B960494DF}">
-                  <a14:hiddenLine xmlns="" xmlns:a14="http://schemas.microsoft.com/office/drawing/2010/main" w="9525">
+                  <a14:hiddenLine xmlns:a14="http://schemas.microsoft.com/office/drawing/2010/main" xmlns="" w="9525">
                     <a:solidFill>
                       <a:srgbClr val="000000"/>
                     </a:solidFill>
@@ -11720,7 +11720,7 @@
               </a:ln>
               <a:extLst>
                 <a:ext uri="{91240B29-F687-4f45-9708-019B960494DF}">
-                  <a14:hiddenLine xmlns="" xmlns:a14="http://schemas.microsoft.com/office/drawing/2010/main" w="9525">
+                  <a14:hiddenLine xmlns:a14="http://schemas.microsoft.com/office/drawing/2010/main" xmlns="" w="9525">
                     <a:solidFill>
                       <a:srgbClr val="000000"/>
                     </a:solidFill>
@@ -11835,7 +11835,7 @@
               </a:ln>
               <a:extLst>
                 <a:ext uri="{91240B29-F687-4f45-9708-019B960494DF}">
-                  <a14:hiddenLine xmlns="" xmlns:a14="http://schemas.microsoft.com/office/drawing/2010/main" w="9525">
+                  <a14:hiddenLine xmlns:a14="http://schemas.microsoft.com/office/drawing/2010/main" xmlns="" w="9525">
                     <a:solidFill>
                       <a:srgbClr val="000000"/>
                     </a:solidFill>
@@ -11925,7 +11925,7 @@
               </a:ln>
               <a:extLst>
                 <a:ext uri="{91240B29-F687-4f45-9708-019B960494DF}">
-                  <a14:hiddenLine xmlns="" xmlns:a14="http://schemas.microsoft.com/office/drawing/2010/main" w="9525">
+                  <a14:hiddenLine xmlns:a14="http://schemas.microsoft.com/office/drawing/2010/main" xmlns="" w="9525">
                     <a:solidFill>
                       <a:srgbClr val="000000"/>
                     </a:solidFill>
@@ -11990,7 +11990,7 @@
               </a:ln>
               <a:extLst>
                 <a:ext uri="{91240B29-F687-4f45-9708-019B960494DF}">
-                  <a14:hiddenLine xmlns="" xmlns:a14="http://schemas.microsoft.com/office/drawing/2010/main" w="9525">
+                  <a14:hiddenLine xmlns:a14="http://schemas.microsoft.com/office/drawing/2010/main" xmlns="" w="9525">
                     <a:solidFill>
                       <a:srgbClr val="000000"/>
                     </a:solidFill>
@@ -12080,7 +12080,7 @@
               </a:ln>
               <a:extLst>
                 <a:ext uri="{91240B29-F687-4f45-9708-019B960494DF}">
-                  <a14:hiddenLine xmlns="" xmlns:a14="http://schemas.microsoft.com/office/drawing/2010/main" w="9525">
+                  <a14:hiddenLine xmlns:a14="http://schemas.microsoft.com/office/drawing/2010/main" xmlns="" w="9525">
                     <a:solidFill>
                       <a:srgbClr val="000000"/>
                     </a:solidFill>
@@ -12148,7 +12148,7 @@
               </a:ln>
               <a:extLst>
                 <a:ext uri="{91240B29-F687-4f45-9708-019B960494DF}">
-                  <a14:hiddenLine xmlns="" xmlns:a14="http://schemas.microsoft.com/office/drawing/2010/main" w="9525">
+                  <a14:hiddenLine xmlns:a14="http://schemas.microsoft.com/office/drawing/2010/main" xmlns="" w="9525">
                     <a:solidFill>
                       <a:srgbClr val="000000"/>
                     </a:solidFill>
@@ -12238,7 +12238,7 @@
               </a:ln>
               <a:extLst>
                 <a:ext uri="{91240B29-F687-4f45-9708-019B960494DF}">
-                  <a14:hiddenLine xmlns="" xmlns:a14="http://schemas.microsoft.com/office/drawing/2010/main" w="9525">
+                  <a14:hiddenLine xmlns:a14="http://schemas.microsoft.com/office/drawing/2010/main" xmlns="" w="9525">
                     <a:solidFill>
                       <a:srgbClr val="000000"/>
                     </a:solidFill>
@@ -12306,7 +12306,7 @@
               </a:ln>
               <a:extLst>
                 <a:ext uri="{91240B29-F687-4f45-9708-019B960494DF}">
-                  <a14:hiddenLine xmlns="" xmlns:a14="http://schemas.microsoft.com/office/drawing/2010/main" w="9525">
+                  <a14:hiddenLine xmlns:a14="http://schemas.microsoft.com/office/drawing/2010/main" xmlns="" w="9525">
                     <a:solidFill>
                       <a:srgbClr val="000000"/>
                     </a:solidFill>
@@ -12396,7 +12396,7 @@
               </a:ln>
               <a:extLst>
                 <a:ext uri="{91240B29-F687-4f45-9708-019B960494DF}">
-                  <a14:hiddenLine xmlns="" xmlns:a14="http://schemas.microsoft.com/office/drawing/2010/main" w="9525">
+                  <a14:hiddenLine xmlns:a14="http://schemas.microsoft.com/office/drawing/2010/main" xmlns="" w="9525">
                     <a:solidFill>
                       <a:srgbClr val="000000"/>
                     </a:solidFill>
@@ -12430,7 +12430,7 @@
               </a:ln>
               <a:extLst>
                 <a:ext uri="{91240B29-F687-4f45-9708-019B960494DF}">
-                  <a14:hiddenLine xmlns="" xmlns:a14="http://schemas.microsoft.com/office/drawing/2010/main" w="9525">
+                  <a14:hiddenLine xmlns:a14="http://schemas.microsoft.com/office/drawing/2010/main" xmlns="" w="9525">
                     <a:solidFill>
                       <a:srgbClr val="000000"/>
                     </a:solidFill>
@@ -15350,8 +15350,8 @@
         </p:blipFill>
         <p:spPr>
           <a:xfrm>
-            <a:off x="5407897" y="4324681"/>
-            <a:ext cx="3810748" cy="1923718"/>
+            <a:off x="5407897" y="4346743"/>
+            <a:ext cx="3810748" cy="1879594"/>
           </a:xfrm>
           <a:prstGeom prst="rect">
             <a:avLst/>
